--- a/PPT_029.037.042.pptx
+++ b/PPT_029.037.042.pptx
@@ -5,24 +5,26 @@
     <p:sldMasterId id="2147483684" r:id="rId1"/>
   </p:sldMasterIdLst>
   <p:notesMasterIdLst>
-    <p:notesMasterId r:id="rId17"/>
+    <p:notesMasterId r:id="rId19"/>
   </p:notesMasterIdLst>
   <p:sldIdLst>
     <p:sldId id="256" r:id="rId2"/>
     <p:sldId id="257" r:id="rId3"/>
-    <p:sldId id="258" r:id="rId4"/>
-    <p:sldId id="262" r:id="rId5"/>
-    <p:sldId id="259" r:id="rId6"/>
-    <p:sldId id="261" r:id="rId7"/>
-    <p:sldId id="260" r:id="rId8"/>
-    <p:sldId id="263" r:id="rId9"/>
-    <p:sldId id="264" r:id="rId10"/>
-    <p:sldId id="265" r:id="rId11"/>
-    <p:sldId id="266" r:id="rId12"/>
-    <p:sldId id="267" r:id="rId13"/>
-    <p:sldId id="268" r:id="rId14"/>
-    <p:sldId id="269" r:id="rId15"/>
-    <p:sldId id="270" r:id="rId16"/>
+    <p:sldId id="271" r:id="rId4"/>
+    <p:sldId id="258" r:id="rId5"/>
+    <p:sldId id="262" r:id="rId6"/>
+    <p:sldId id="259" r:id="rId7"/>
+    <p:sldId id="261" r:id="rId8"/>
+    <p:sldId id="260" r:id="rId9"/>
+    <p:sldId id="263" r:id="rId10"/>
+    <p:sldId id="264" r:id="rId11"/>
+    <p:sldId id="272" r:id="rId12"/>
+    <p:sldId id="265" r:id="rId13"/>
+    <p:sldId id="266" r:id="rId14"/>
+    <p:sldId id="267" r:id="rId15"/>
+    <p:sldId id="268" r:id="rId16"/>
+    <p:sldId id="269" r:id="rId17"/>
+    <p:sldId id="270" r:id="rId18"/>
   </p:sldIdLst>
   <p:sldSz cx="9144000" cy="6858000" type="screen4x3"/>
   <p:notesSz cx="6858000" cy="9144000"/>
@@ -2471,16 +2473,16 @@
 </file>
 
 <file path=ppt/diagrams/colors4.xml><?xml version="1.0" encoding="utf-8"?>
-<dgm:colorsDef xmlns:dgm="http://schemas.openxmlformats.org/drawingml/2006/diagram" xmlns:a="http://schemas.openxmlformats.org/drawingml/2006/main" uniqueId="urn:microsoft.com/office/officeart/2005/8/colors/accent3_5">
+<dgm:colorsDef xmlns:dgm="http://schemas.openxmlformats.org/drawingml/2006/diagram" xmlns:a="http://schemas.openxmlformats.org/drawingml/2006/main" uniqueId="urn:microsoft.com/office/officeart/2005/8/colors/accent1_3">
   <dgm:title val=""/>
   <dgm:desc val=""/>
   <dgm:catLst>
-    <dgm:cat type="accent3" pri="11500"/>
+    <dgm:cat type="accent1" pri="11300"/>
   </dgm:catLst>
   <dgm:styleLbl name="node0">
-    <dgm:fillClrLst meth="cycle">
-      <a:schemeClr val="accent3">
-        <a:alpha val="80000"/>
+    <dgm:fillClrLst meth="repeat">
+      <a:schemeClr val="accent1">
+        <a:shade val="80000"/>
       </a:schemeClr>
     </dgm:fillClrLst>
     <dgm:linClrLst meth="repeat">
@@ -2491,12 +2493,70 @@
     <dgm:txFillClrLst/>
     <dgm:txEffectClrLst/>
   </dgm:styleLbl>
+  <dgm:styleLbl name="alignNode1">
+    <dgm:fillClrLst>
+      <a:schemeClr val="accent1">
+        <a:shade val="80000"/>
+      </a:schemeClr>
+      <a:schemeClr val="accent1">
+        <a:tint val="70000"/>
+      </a:schemeClr>
+    </dgm:fillClrLst>
+    <dgm:linClrLst>
+      <a:schemeClr val="accent1">
+        <a:shade val="80000"/>
+      </a:schemeClr>
+      <a:schemeClr val="accent1">
+        <a:tint val="70000"/>
+      </a:schemeClr>
+    </dgm:linClrLst>
+    <dgm:effectClrLst/>
+    <dgm:txLinClrLst/>
+    <dgm:txFillClrLst/>
+    <dgm:txEffectClrLst/>
+  </dgm:styleLbl>
   <dgm:styleLbl name="node1">
     <dgm:fillClrLst>
-      <a:schemeClr val="accent3">
-        <a:alpha val="90000"/>
+      <a:schemeClr val="accent1">
+        <a:shade val="80000"/>
       </a:schemeClr>
-      <a:schemeClr val="accent3">
+      <a:schemeClr val="accent1">
+        <a:tint val="70000"/>
+      </a:schemeClr>
+    </dgm:fillClrLst>
+    <dgm:linClrLst meth="repeat">
+      <a:schemeClr val="lt1"/>
+    </dgm:linClrLst>
+    <dgm:effectClrLst/>
+    <dgm:txLinClrLst/>
+    <dgm:txFillClrLst/>
+    <dgm:txEffectClrLst/>
+  </dgm:styleLbl>
+  <dgm:styleLbl name="lnNode1">
+    <dgm:fillClrLst>
+      <a:schemeClr val="accent1">
+        <a:shade val="80000"/>
+      </a:schemeClr>
+      <a:schemeClr val="accent1">
+        <a:tint val="70000"/>
+      </a:schemeClr>
+    </dgm:fillClrLst>
+    <dgm:linClrLst meth="repeat">
+      <a:schemeClr val="lt1"/>
+    </dgm:linClrLst>
+    <dgm:effectClrLst/>
+    <dgm:txLinClrLst/>
+    <dgm:txFillClrLst/>
+    <dgm:txEffectClrLst/>
+  </dgm:styleLbl>
+  <dgm:styleLbl name="vennNode1">
+    <dgm:fillClrLst>
+      <a:schemeClr val="accent1">
+        <a:shade val="80000"/>
+        <a:alpha val="50000"/>
+      </a:schemeClr>
+      <a:schemeClr val="accent1">
+        <a:tint val="70000"/>
         <a:alpha val="50000"/>
       </a:schemeClr>
     </dgm:fillClrLst>
@@ -2508,36 +2568,10 @@
     <dgm:txFillClrLst/>
     <dgm:txEffectClrLst/>
   </dgm:styleLbl>
-  <dgm:styleLbl name="alignNode1">
+  <dgm:styleLbl name="node2">
     <dgm:fillClrLst>
-      <a:schemeClr val="accent3">
-        <a:alpha val="90000"/>
-      </a:schemeClr>
-      <a:schemeClr val="accent3">
-        <a:alpha val="50000"/>
-      </a:schemeClr>
-    </dgm:fillClrLst>
-    <dgm:linClrLst>
-      <a:schemeClr val="accent3">
-        <a:alpha val="90000"/>
-      </a:schemeClr>
-      <a:schemeClr val="accent3">
-        <a:alpha val="50000"/>
-      </a:schemeClr>
-    </dgm:linClrLst>
-    <dgm:effectClrLst/>
-    <dgm:txLinClrLst/>
-    <dgm:txFillClrLst/>
-    <dgm:txEffectClrLst/>
-  </dgm:styleLbl>
-  <dgm:styleLbl name="lnNode1">
-    <dgm:fillClrLst>
-      <a:schemeClr val="accent3">
-        <a:shade val="90000"/>
-      </a:schemeClr>
-      <a:schemeClr val="accent3">
-        <a:alpha val="50000"/>
-        <a:tint val="50000"/>
+      <a:schemeClr val="accent1">
+        <a:tint val="99000"/>
       </a:schemeClr>
     </dgm:fillClrLst>
     <dgm:linClrLst meth="repeat">
@@ -2548,14 +2582,10 @@
     <dgm:txFillClrLst/>
     <dgm:txEffectClrLst/>
   </dgm:styleLbl>
-  <dgm:styleLbl name="vennNode1">
+  <dgm:styleLbl name="node3">
     <dgm:fillClrLst>
-      <a:schemeClr val="accent3">
-        <a:shade val="80000"/>
-        <a:alpha val="50000"/>
-      </a:schemeClr>
-      <a:schemeClr val="accent3">
-        <a:alpha val="80000"/>
+      <a:schemeClr val="accent1">
+        <a:tint val="80000"/>
       </a:schemeClr>
     </dgm:fillClrLst>
     <dgm:linClrLst meth="repeat">
@@ -2566,10 +2596,10 @@
     <dgm:txFillClrLst/>
     <dgm:txEffectClrLst/>
   </dgm:styleLbl>
-  <dgm:styleLbl name="node2">
+  <dgm:styleLbl name="node4">
     <dgm:fillClrLst>
-      <a:schemeClr val="accent3">
-        <a:alpha val="70000"/>
+      <a:schemeClr val="accent1">
+        <a:tint val="70000"/>
       </a:schemeClr>
     </dgm:fillClrLst>
     <dgm:linClrLst meth="repeat">
@@ -2580,61 +2610,12 @@
     <dgm:txFillClrLst/>
     <dgm:txEffectClrLst/>
   </dgm:styleLbl>
-  <dgm:styleLbl name="node3">
-    <dgm:fillClrLst>
-      <a:schemeClr val="accent3">
-        <a:alpha val="50000"/>
-      </a:schemeClr>
-    </dgm:fillClrLst>
-    <dgm:linClrLst meth="repeat">
-      <a:schemeClr val="lt1"/>
-    </dgm:linClrLst>
-    <dgm:effectClrLst/>
-    <dgm:txLinClrLst/>
-    <dgm:txFillClrLst/>
-    <dgm:txEffectClrLst/>
-  </dgm:styleLbl>
-  <dgm:styleLbl name="node4">
-    <dgm:fillClrLst>
-      <a:schemeClr val="accent3">
-        <a:alpha val="30000"/>
-      </a:schemeClr>
-    </dgm:fillClrLst>
-    <dgm:linClrLst meth="repeat">
-      <a:schemeClr val="lt1"/>
-    </dgm:linClrLst>
-    <dgm:effectClrLst/>
-    <dgm:txLinClrLst/>
-    <dgm:txFillClrLst/>
-    <dgm:txEffectClrLst/>
-  </dgm:styleLbl>
   <dgm:styleLbl name="fgImgPlace1">
     <dgm:fillClrLst>
-      <a:schemeClr val="accent3">
-        <a:tint val="50000"/>
-        <a:alpha val="90000"/>
-      </a:schemeClr>
-      <a:schemeClr val="accent3">
-        <a:tint val="20000"/>
-        <a:alpha val="50000"/>
-      </a:schemeClr>
-    </dgm:fillClrLst>
-    <dgm:linClrLst meth="repeat">
-      <a:schemeClr val="lt1"/>
-    </dgm:linClrLst>
-    <dgm:effectClrLst/>
-    <dgm:txLinClrLst/>
-    <dgm:txFillClrLst meth="repeat">
-      <a:schemeClr val="lt1"/>
-    </dgm:txFillClrLst>
-    <dgm:txEffectClrLst/>
-  </dgm:styleLbl>
-  <dgm:styleLbl name="alignImgPlace1">
-    <dgm:fillClrLst>
-      <a:schemeClr val="accent3">
+      <a:schemeClr val="accent1">
         <a:tint val="50000"/>
       </a:schemeClr>
-      <a:schemeClr val="accent3">
+      <a:schemeClr val="accent1">
         <a:tint val="20000"/>
       </a:schemeClr>
     </dgm:fillClrLst>
@@ -2648,12 +2629,12 @@
     </dgm:txFillClrLst>
     <dgm:txEffectClrLst/>
   </dgm:styleLbl>
-  <dgm:styleLbl name="bgImgPlace1">
+  <dgm:styleLbl name="alignImgPlace1">
     <dgm:fillClrLst>
-      <a:schemeClr val="accent3">
+      <a:schemeClr val="accent1">
         <a:tint val="50000"/>
       </a:schemeClr>
-      <a:schemeClr val="accent3">
+      <a:schemeClr val="accent1">
         <a:tint val="20000"/>
       </a:schemeClr>
     </dgm:fillClrLst>
@@ -2667,21 +2648,40 @@
     </dgm:txFillClrLst>
     <dgm:txEffectClrLst/>
   </dgm:styleLbl>
+  <dgm:styleLbl name="bgImgPlace1">
+    <dgm:fillClrLst>
+      <a:schemeClr val="accent1">
+        <a:tint val="50000"/>
+      </a:schemeClr>
+      <a:schemeClr val="accent1">
+        <a:tint val="20000"/>
+      </a:schemeClr>
+    </dgm:fillClrLst>
+    <dgm:linClrLst meth="repeat">
+      <a:schemeClr val="lt1"/>
+    </dgm:linClrLst>
+    <dgm:effectClrLst/>
+    <dgm:txLinClrLst/>
+    <dgm:txFillClrLst meth="repeat">
+      <a:schemeClr val="lt1"/>
+    </dgm:txFillClrLst>
+    <dgm:txEffectClrLst/>
+  </dgm:styleLbl>
   <dgm:styleLbl name="sibTrans2D1">
     <dgm:fillClrLst>
-      <a:schemeClr val="accent3">
+      <a:schemeClr val="accent1">
         <a:shade val="90000"/>
       </a:schemeClr>
-      <a:schemeClr val="accent3">
-        <a:tint val="50000"/>
+      <a:schemeClr val="accent1">
+        <a:tint val="70000"/>
       </a:schemeClr>
     </dgm:fillClrLst>
     <dgm:linClrLst>
-      <a:schemeClr val="accent3">
+      <a:schemeClr val="accent1">
         <a:shade val="90000"/>
       </a:schemeClr>
-      <a:schemeClr val="accent3">
-        <a:tint val="50000"/>
+      <a:schemeClr val="accent1">
+        <a:tint val="70000"/>
       </a:schemeClr>
     </dgm:linClrLst>
     <dgm:effectClrLst/>
@@ -2691,63 +2691,67 @@
   </dgm:styleLbl>
   <dgm:styleLbl name="fgSibTrans2D1">
     <dgm:fillClrLst>
-      <a:schemeClr val="accent3">
+      <a:schemeClr val="accent1">
         <a:shade val="90000"/>
       </a:schemeClr>
-      <a:schemeClr val="accent3">
-        <a:tint val="50000"/>
+      <a:schemeClr val="accent1">
+        <a:tint val="70000"/>
       </a:schemeClr>
     </dgm:fillClrLst>
     <dgm:linClrLst>
-      <a:schemeClr val="accent3">
+      <a:schemeClr val="accent1">
         <a:shade val="90000"/>
       </a:schemeClr>
-      <a:schemeClr val="accent3">
-        <a:tint val="50000"/>
+      <a:schemeClr val="accent1">
+        <a:tint val="70000"/>
       </a:schemeClr>
     </dgm:linClrLst>
     <dgm:effectClrLst/>
     <dgm:txLinClrLst/>
-    <dgm:txFillClrLst/>
+    <dgm:txFillClrLst meth="repeat">
+      <a:schemeClr val="lt1"/>
+    </dgm:txFillClrLst>
     <dgm:txEffectClrLst/>
   </dgm:styleLbl>
   <dgm:styleLbl name="bgSibTrans2D1">
     <dgm:fillClrLst>
-      <a:schemeClr val="accent3">
+      <a:schemeClr val="accent1">
         <a:shade val="90000"/>
       </a:schemeClr>
-      <a:schemeClr val="accent3">
-        <a:tint val="50000"/>
+      <a:schemeClr val="accent1">
+        <a:tint val="70000"/>
       </a:schemeClr>
     </dgm:fillClrLst>
     <dgm:linClrLst>
-      <a:schemeClr val="accent3">
+      <a:schemeClr val="accent1">
         <a:shade val="90000"/>
       </a:schemeClr>
-      <a:schemeClr val="accent3">
-        <a:tint val="50000"/>
+      <a:schemeClr val="accent1">
+        <a:tint val="70000"/>
       </a:schemeClr>
     </dgm:linClrLst>
     <dgm:effectClrLst/>
     <dgm:txLinClrLst/>
-    <dgm:txFillClrLst/>
+    <dgm:txFillClrLst meth="repeat">
+      <a:schemeClr val="lt1"/>
+    </dgm:txFillClrLst>
     <dgm:txEffectClrLst/>
   </dgm:styleLbl>
   <dgm:styleLbl name="sibTrans1D1">
     <dgm:fillClrLst>
-      <a:schemeClr val="accent3">
+      <a:schemeClr val="accent1">
         <a:shade val="90000"/>
       </a:schemeClr>
-      <a:schemeClr val="accent3">
-        <a:tint val="50000"/>
+      <a:schemeClr val="accent1">
+        <a:tint val="70000"/>
       </a:schemeClr>
     </dgm:fillClrLst>
     <dgm:linClrLst>
-      <a:schemeClr val="accent3">
+      <a:schemeClr val="accent1">
         <a:shade val="90000"/>
       </a:schemeClr>
-      <a:schemeClr val="accent3">
-        <a:tint val="50000"/>
+      <a:schemeClr val="accent1">
+        <a:tint val="70000"/>
       </a:schemeClr>
     </dgm:linClrLst>
     <dgm:effectClrLst/>
@@ -2759,10 +2763,10 @@
   </dgm:styleLbl>
   <dgm:styleLbl name="callout">
     <dgm:fillClrLst meth="repeat">
-      <a:schemeClr val="accent3"/>
+      <a:schemeClr val="accent1"/>
     </dgm:fillClrLst>
     <dgm:linClrLst meth="repeat">
-      <a:schemeClr val="accent3"/>
+      <a:schemeClr val="accent1"/>
     </dgm:linClrLst>
     <dgm:effectClrLst/>
     <dgm:txLinClrLst/>
@@ -2773,8 +2777,8 @@
   </dgm:styleLbl>
   <dgm:styleLbl name="asst0">
     <dgm:fillClrLst meth="repeat">
-      <a:schemeClr val="accent3">
-        <a:alpha val="90000"/>
+      <a:schemeClr val="accent1">
+        <a:shade val="80000"/>
       </a:schemeClr>
     </dgm:fillClrLst>
     <dgm:linClrLst meth="repeat">
@@ -2787,8 +2791,8 @@
   </dgm:styleLbl>
   <dgm:styleLbl name="asst1">
     <dgm:fillClrLst meth="repeat">
-      <a:schemeClr val="accent3">
-        <a:alpha val="90000"/>
+      <a:schemeClr val="accent1">
+        <a:shade val="80000"/>
       </a:schemeClr>
     </dgm:fillClrLst>
     <dgm:linClrLst meth="repeat">
@@ -2801,8 +2805,8 @@
   </dgm:styleLbl>
   <dgm:styleLbl name="asst2">
     <dgm:fillClrLst>
-      <a:schemeClr val="accent3">
-        <a:alpha val="90000"/>
+      <a:schemeClr val="accent1">
+        <a:tint val="99000"/>
       </a:schemeClr>
     </dgm:fillClrLst>
     <dgm:linClrLst meth="repeat">
@@ -2815,8 +2819,8 @@
   </dgm:styleLbl>
   <dgm:styleLbl name="asst3">
     <dgm:fillClrLst>
-      <a:schemeClr val="accent3">
-        <a:alpha val="70000"/>
+      <a:schemeClr val="accent1">
+        <a:tint val="80000"/>
       </a:schemeClr>
     </dgm:fillClrLst>
     <dgm:linClrLst meth="repeat">
@@ -2829,8 +2833,8 @@
   </dgm:styleLbl>
   <dgm:styleLbl name="asst4">
     <dgm:fillClrLst>
-      <a:schemeClr val="accent3">
-        <a:alpha val="50000"/>
+      <a:schemeClr val="accent1">
+        <a:tint val="70000"/>
       </a:schemeClr>
     </dgm:fillClrLst>
     <dgm:linClrLst meth="repeat">
@@ -2843,28 +2847,30 @@
   </dgm:styleLbl>
   <dgm:styleLbl name="parChTrans2D1">
     <dgm:fillClrLst meth="repeat">
-      <a:schemeClr val="accent3">
-        <a:shade val="80000"/>
+      <a:schemeClr val="accent1">
+        <a:tint val="60000"/>
       </a:schemeClr>
     </dgm:fillClrLst>
     <dgm:linClrLst meth="repeat">
-      <a:schemeClr val="accent3">
-        <a:shade val="80000"/>
+      <a:schemeClr val="accent1">
+        <a:tint val="60000"/>
       </a:schemeClr>
     </dgm:linClrLst>
     <dgm:effectClrLst/>
     <dgm:txLinClrLst/>
-    <dgm:txFillClrLst/>
+    <dgm:txFillClrLst meth="repeat">
+      <a:schemeClr val="lt1"/>
+    </dgm:txFillClrLst>
     <dgm:txEffectClrLst/>
   </dgm:styleLbl>
   <dgm:styleLbl name="parChTrans2D2">
     <dgm:fillClrLst meth="repeat">
-      <a:schemeClr val="accent3">
+      <a:schemeClr val="accent1">
         <a:tint val="90000"/>
       </a:schemeClr>
     </dgm:fillClrLst>
     <dgm:linClrLst meth="repeat">
-      <a:schemeClr val="accent3">
+      <a:schemeClr val="accent1">
         <a:tint val="90000"/>
       </a:schemeClr>
     </dgm:linClrLst>
@@ -2875,12 +2881,12 @@
   </dgm:styleLbl>
   <dgm:styleLbl name="parChTrans2D3">
     <dgm:fillClrLst meth="repeat">
-      <a:schemeClr val="accent3">
+      <a:schemeClr val="accent1">
         <a:tint val="70000"/>
       </a:schemeClr>
     </dgm:fillClrLst>
     <dgm:linClrLst meth="repeat">
-      <a:schemeClr val="accent3">
+      <a:schemeClr val="accent1">
         <a:tint val="70000"/>
       </a:schemeClr>
     </dgm:linClrLst>
@@ -2891,30 +2897,30 @@
   </dgm:styleLbl>
   <dgm:styleLbl name="parChTrans2D4">
     <dgm:fillClrLst meth="repeat">
-      <a:schemeClr val="accent3">
+      <a:schemeClr val="accent1">
         <a:tint val="50000"/>
       </a:schemeClr>
     </dgm:fillClrLst>
     <dgm:linClrLst meth="repeat">
-      <a:schemeClr val="accent3">
+      <a:schemeClr val="accent1">
         <a:tint val="50000"/>
       </a:schemeClr>
     </dgm:linClrLst>
     <dgm:effectClrLst/>
     <dgm:txLinClrLst/>
     <dgm:txFillClrLst meth="repeat">
-      <a:schemeClr val="dk1"/>
+      <a:schemeClr val="lt1"/>
     </dgm:txFillClrLst>
     <dgm:txEffectClrLst/>
   </dgm:styleLbl>
   <dgm:styleLbl name="parChTrans1D1">
     <dgm:fillClrLst meth="repeat">
-      <a:schemeClr val="accent3">
+      <a:schemeClr val="accent1">
         <a:shade val="80000"/>
       </a:schemeClr>
     </dgm:fillClrLst>
     <dgm:linClrLst meth="repeat">
-      <a:schemeClr val="accent3">
+      <a:schemeClr val="accent1">
         <a:shade val="80000"/>
       </a:schemeClr>
     </dgm:linClrLst>
@@ -2927,13 +2933,13 @@
   </dgm:styleLbl>
   <dgm:styleLbl name="parChTrans1D2">
     <dgm:fillClrLst meth="repeat">
-      <a:schemeClr val="accent3">
-        <a:tint val="90000"/>
+      <a:schemeClr val="accent1">
+        <a:tint val="99000"/>
       </a:schemeClr>
     </dgm:fillClrLst>
     <dgm:linClrLst meth="repeat">
-      <a:schemeClr val="accent3">
-        <a:tint val="90000"/>
+      <a:schemeClr val="accent1">
+        <a:tint val="99000"/>
       </a:schemeClr>
     </dgm:linClrLst>
     <dgm:effectClrLst/>
@@ -2945,12 +2951,30 @@
   </dgm:styleLbl>
   <dgm:styleLbl name="parChTrans1D3">
     <dgm:fillClrLst meth="repeat">
-      <a:schemeClr val="accent3">
+      <a:schemeClr val="accent1">
+        <a:tint val="80000"/>
+      </a:schemeClr>
+    </dgm:fillClrLst>
+    <dgm:linClrLst meth="repeat">
+      <a:schemeClr val="accent1">
+        <a:tint val="80000"/>
+      </a:schemeClr>
+    </dgm:linClrLst>
+    <dgm:effectClrLst/>
+    <dgm:txLinClrLst/>
+    <dgm:txFillClrLst meth="repeat">
+      <a:schemeClr val="tx1"/>
+    </dgm:txFillClrLst>
+    <dgm:txEffectClrLst/>
+  </dgm:styleLbl>
+  <dgm:styleLbl name="parChTrans1D4">
+    <dgm:fillClrLst meth="repeat">
+      <a:schemeClr val="accent1">
         <a:tint val="70000"/>
       </a:schemeClr>
     </dgm:fillClrLst>
     <dgm:linClrLst meth="repeat">
-      <a:schemeClr val="accent3">
+      <a:schemeClr val="accent1">
         <a:tint val="70000"/>
       </a:schemeClr>
     </dgm:linClrLst>
@@ -2961,24 +2985,6 @@
     </dgm:txFillClrLst>
     <dgm:txEffectClrLst/>
   </dgm:styleLbl>
-  <dgm:styleLbl name="parChTrans1D4">
-    <dgm:fillClrLst meth="repeat">
-      <a:schemeClr val="accent3">
-        <a:tint val="50000"/>
-      </a:schemeClr>
-    </dgm:fillClrLst>
-    <dgm:linClrLst meth="repeat">
-      <a:schemeClr val="accent3">
-        <a:tint val="50000"/>
-      </a:schemeClr>
-    </dgm:linClrLst>
-    <dgm:effectClrLst/>
-    <dgm:txLinClrLst/>
-    <dgm:txFillClrLst meth="repeat">
-      <a:schemeClr val="tx1"/>
-    </dgm:txFillClrLst>
-    <dgm:txEffectClrLst/>
-  </dgm:styleLbl>
   <dgm:styleLbl name="fgAcc1">
     <dgm:fillClrLst meth="repeat">
       <a:schemeClr val="lt1">
@@ -2986,11 +2992,11 @@
       </a:schemeClr>
     </dgm:fillClrLst>
     <dgm:linClrLst>
-      <a:schemeClr val="accent3">
-        <a:alpha val="90000"/>
+      <a:schemeClr val="accent1">
+        <a:shade val="80000"/>
       </a:schemeClr>
-      <a:schemeClr val="accent3">
-        <a:alpha val="50000"/>
+      <a:schemeClr val="accent1">
+        <a:tint val="70000"/>
       </a:schemeClr>
     </dgm:linClrLst>
     <dgm:effectClrLst/>
@@ -3007,11 +3013,11 @@
       </a:schemeClr>
     </dgm:fillClrLst>
     <dgm:linClrLst>
-      <a:schemeClr val="accent3">
-        <a:alpha val="90000"/>
+      <a:schemeClr val="accent1">
+        <a:shade val="80000"/>
       </a:schemeClr>
-      <a:schemeClr val="accent3">
-        <a:alpha val="50000"/>
+      <a:schemeClr val="accent1">
+        <a:tint val="70000"/>
       </a:schemeClr>
     </dgm:linClrLst>
     <dgm:effectClrLst/>
@@ -3028,11 +3034,11 @@
       </a:schemeClr>
     </dgm:fillClrLst>
     <dgm:linClrLst>
-      <a:schemeClr val="accent3">
-        <a:alpha val="90000"/>
+      <a:schemeClr val="accent1">
+        <a:shade val="80000"/>
       </a:schemeClr>
-      <a:schemeClr val="accent3">
-        <a:alpha val="50000"/>
+      <a:schemeClr val="accent1">
+        <a:tint val="70000"/>
       </a:schemeClr>
     </dgm:linClrLst>
     <dgm:effectClrLst/>
@@ -3048,12 +3054,28 @@
         <a:alpha val="40000"/>
       </a:schemeClr>
     </dgm:fillClrLst>
-    <dgm:linClrLst>
-      <a:schemeClr val="accent3">
+    <dgm:linClrLst meth="repeat">
+      <a:schemeClr val="accent1"/>
+    </dgm:linClrLst>
+    <dgm:effectClrLst/>
+    <dgm:txLinClrLst/>
+    <dgm:txFillClrLst meth="repeat">
+      <a:schemeClr val="dk1"/>
+    </dgm:txFillClrLst>
+    <dgm:txEffectClrLst/>
+  </dgm:styleLbl>
+  <dgm:styleLbl name="bgAcc1">
+    <dgm:fillClrLst meth="repeat">
+      <a:schemeClr val="lt1">
         <a:alpha val="90000"/>
       </a:schemeClr>
-      <a:schemeClr val="accent3">
-        <a:alpha val="50000"/>
+    </dgm:fillClrLst>
+    <dgm:linClrLst>
+      <a:schemeClr val="accent1">
+        <a:shade val="80000"/>
+      </a:schemeClr>
+      <a:schemeClr val="accent1">
+        <a:tint val="70000"/>
       </a:schemeClr>
     </dgm:linClrLst>
     <dgm:effectClrLst/>
@@ -3063,18 +3085,16 @@
     </dgm:txFillClrLst>
     <dgm:txEffectClrLst/>
   </dgm:styleLbl>
-  <dgm:styleLbl name="bgAcc1">
+  <dgm:styleLbl name="solidFgAcc1">
     <dgm:fillClrLst meth="repeat">
-      <a:schemeClr val="lt1">
-        <a:alpha val="90000"/>
-      </a:schemeClr>
+      <a:schemeClr val="lt1"/>
     </dgm:fillClrLst>
     <dgm:linClrLst>
-      <a:schemeClr val="accent3">
-        <a:alpha val="90000"/>
+      <a:schemeClr val="accent1">
+        <a:shade val="80000"/>
       </a:schemeClr>
-      <a:schemeClr val="accent3">
-        <a:alpha val="50000"/>
+      <a:schemeClr val="accent1">
+        <a:tint val="70000"/>
       </a:schemeClr>
     </dgm:linClrLst>
     <dgm:effectClrLst/>
@@ -3084,17 +3104,12 @@
     </dgm:txFillClrLst>
     <dgm:txEffectClrLst/>
   </dgm:styleLbl>
-  <dgm:styleLbl name="solidFgAcc1">
+  <dgm:styleLbl name="solidAlignAcc1">
     <dgm:fillClrLst meth="repeat">
       <a:schemeClr val="lt1"/>
     </dgm:fillClrLst>
-    <dgm:linClrLst>
-      <a:schemeClr val="accent3">
-        <a:alpha val="90000"/>
-      </a:schemeClr>
-      <a:schemeClr val="accent3">
-        <a:alpha val="50000"/>
-      </a:schemeClr>
+    <dgm:linClrLst meth="repeat">
+      <a:schemeClr val="accent1"/>
     </dgm:linClrLst>
     <dgm:effectClrLst/>
     <dgm:txLinClrLst/>
@@ -3103,12 +3118,12 @@
     </dgm:txFillClrLst>
     <dgm:txEffectClrLst/>
   </dgm:styleLbl>
-  <dgm:styleLbl name="solidAlignAcc1">
+  <dgm:styleLbl name="solidBgAcc1">
     <dgm:fillClrLst meth="repeat">
       <a:schemeClr val="lt1"/>
     </dgm:fillClrLst>
     <dgm:linClrLst meth="repeat">
-      <a:schemeClr val="accent3"/>
+      <a:schemeClr val="accent1"/>
     </dgm:linClrLst>
     <dgm:effectClrLst/>
     <dgm:txLinClrLst/>
@@ -3117,33 +3132,15 @@
     </dgm:txFillClrLst>
     <dgm:txEffectClrLst/>
   </dgm:styleLbl>
-  <dgm:styleLbl name="solidBgAcc1">
+  <dgm:styleLbl name="fgAccFollowNode1">
     <dgm:fillClrLst meth="repeat">
-      <a:schemeClr val="lt1"/>
-    </dgm:fillClrLst>
-    <dgm:linClrLst meth="repeat">
-      <a:schemeClr val="accent3"/>
-    </dgm:linClrLst>
-    <dgm:effectClrLst/>
-    <dgm:txLinClrLst/>
-    <dgm:txFillClrLst meth="repeat">
-      <a:schemeClr val="dk1"/>
-    </dgm:txFillClrLst>
-    <dgm:txEffectClrLst/>
-  </dgm:styleLbl>
-  <dgm:styleLbl name="fgAccFollowNode1">
-    <dgm:fillClrLst>
-      <a:schemeClr val="accent3">
+      <a:schemeClr val="accent1">
         <a:alpha val="90000"/>
-        <a:tint val="40000"/>
-      </a:schemeClr>
-      <a:schemeClr val="accent3">
-        <a:alpha val="50000"/>
         <a:tint val="40000"/>
       </a:schemeClr>
     </dgm:fillClrLst>
     <dgm:linClrLst meth="repeat">
-      <a:schemeClr val="accent3">
+      <a:schemeClr val="accent1">
         <a:alpha val="90000"/>
         <a:tint val="40000"/>
       </a:schemeClr>
@@ -3157,13 +3154,13 @@
   </dgm:styleLbl>
   <dgm:styleLbl name="alignAccFollowNode1">
     <dgm:fillClrLst meth="repeat">
-      <a:schemeClr val="accent3">
+      <a:schemeClr val="accent1">
         <a:alpha val="90000"/>
         <a:tint val="40000"/>
       </a:schemeClr>
     </dgm:fillClrLst>
     <dgm:linClrLst meth="repeat">
-      <a:schemeClr val="accent3">
+      <a:schemeClr val="accent1">
         <a:alpha val="90000"/>
         <a:tint val="40000"/>
       </a:schemeClr>
@@ -3177,7 +3174,7 @@
   </dgm:styleLbl>
   <dgm:styleLbl name="bgAccFollowNode1">
     <dgm:fillClrLst meth="repeat">
-      <a:schemeClr val="accent3">
+      <a:schemeClr val="accent1">
         <a:alpha val="90000"/>
         <a:tint val="40000"/>
       </a:schemeClr>
@@ -3199,7 +3196,7 @@
       </a:schemeClr>
     </dgm:fillClrLst>
     <dgm:linClrLst meth="repeat">
-      <a:schemeClr val="accent3">
+      <a:schemeClr val="accent1">
         <a:shade val="80000"/>
       </a:schemeClr>
     </dgm:linClrLst>
@@ -3217,8 +3214,8 @@
       </a:schemeClr>
     </dgm:fillClrLst>
     <dgm:linClrLst meth="repeat">
-      <a:schemeClr val="accent3">
-        <a:tint val="90000"/>
+      <a:schemeClr val="accent1">
+        <a:tint val="99000"/>
       </a:schemeClr>
     </dgm:linClrLst>
     <dgm:effectClrLst/>
@@ -3235,7 +3232,25 @@
       </a:schemeClr>
     </dgm:fillClrLst>
     <dgm:linClrLst meth="repeat">
-      <a:schemeClr val="accent3">
+      <a:schemeClr val="accent1">
+        <a:tint val="80000"/>
+      </a:schemeClr>
+    </dgm:linClrLst>
+    <dgm:effectClrLst/>
+    <dgm:txLinClrLst/>
+    <dgm:txFillClrLst meth="repeat">
+      <a:schemeClr val="dk1"/>
+    </dgm:txFillClrLst>
+    <dgm:txEffectClrLst/>
+  </dgm:styleLbl>
+  <dgm:styleLbl name="fgAcc4">
+    <dgm:fillClrLst meth="repeat">
+      <a:schemeClr val="lt1">
+        <a:alpha val="90000"/>
+      </a:schemeClr>
+    </dgm:fillClrLst>
+    <dgm:linClrLst meth="repeat">
+      <a:schemeClr val="accent1">
         <a:tint val="70000"/>
       </a:schemeClr>
     </dgm:linClrLst>
@@ -3246,27 +3261,9 @@
     </dgm:txFillClrLst>
     <dgm:txEffectClrLst/>
   </dgm:styleLbl>
-  <dgm:styleLbl name="fgAcc4">
-    <dgm:fillClrLst meth="repeat">
-      <a:schemeClr val="lt1">
-        <a:alpha val="90000"/>
-      </a:schemeClr>
-    </dgm:fillClrLst>
-    <dgm:linClrLst meth="repeat">
-      <a:schemeClr val="accent3">
-        <a:tint val="50000"/>
-      </a:schemeClr>
-    </dgm:linClrLst>
-    <dgm:effectClrLst/>
-    <dgm:txLinClrLst/>
-    <dgm:txFillClrLst meth="repeat">
-      <a:schemeClr val="dk1"/>
-    </dgm:txFillClrLst>
-    <dgm:txEffectClrLst/>
-  </dgm:styleLbl>
   <dgm:styleLbl name="bgShp">
     <dgm:fillClrLst meth="repeat">
-      <a:schemeClr val="accent3">
+      <a:schemeClr val="accent1">
         <a:tint val="40000"/>
       </a:schemeClr>
     </dgm:fillClrLst>
@@ -3282,7 +3279,7 @@
   </dgm:styleLbl>
   <dgm:styleLbl name="dkBgShp">
     <dgm:fillClrLst meth="repeat">
-      <a:schemeClr val="accent3">
+      <a:schemeClr val="accent1">
         <a:shade val="90000"/>
       </a:schemeClr>
     </dgm:fillClrLst>
@@ -3298,13 +3295,13 @@
   </dgm:styleLbl>
   <dgm:styleLbl name="trBgShp">
     <dgm:fillClrLst meth="repeat">
-      <a:schemeClr val="accent3">
+      <a:schemeClr val="accent1">
         <a:tint val="50000"/>
         <a:alpha val="40000"/>
       </a:schemeClr>
     </dgm:fillClrLst>
     <dgm:linClrLst meth="repeat">
-      <a:schemeClr val="accent3"/>
+      <a:schemeClr val="accent1"/>
     </dgm:linClrLst>
     <dgm:effectClrLst/>
     <dgm:txLinClrLst/>
@@ -3315,7 +3312,7 @@
   </dgm:styleLbl>
   <dgm:styleLbl name="fgShp">
     <dgm:fillClrLst meth="repeat">
-      <a:schemeClr val="accent3">
+      <a:schemeClr val="accent1">
         <a:tint val="40000"/>
       </a:schemeClr>
     </dgm:fillClrLst>
@@ -3565,6 +3562,13 @@
         </dgm:presLayoutVars>
       </dgm:prSet>
       <dgm:spPr/>
+      <dgm:t>
+        <a:bodyPr/>
+        <a:lstStyle/>
+        <a:p>
+          <a:endParaRPr lang="en-US"/>
+        </a:p>
+      </dgm:t>
     </dgm:pt>
     <dgm:pt modelId="{756DB6AC-4DA3-4DB7-A459-24F09139EE6E}" type="pres">
       <dgm:prSet presAssocID="{637EF619-69D6-4ABB-A18A-DC8128963667}" presName="dummy" presStyleCnt="0"/>
@@ -3577,10 +3581,24 @@
         </dgm:presLayoutVars>
       </dgm:prSet>
       <dgm:spPr/>
+      <dgm:t>
+        <a:bodyPr/>
+        <a:lstStyle/>
+        <a:p>
+          <a:endParaRPr lang="en-US"/>
+        </a:p>
+      </dgm:t>
     </dgm:pt>
     <dgm:pt modelId="{660C7439-46F6-4464-81B8-AB203D13D467}" type="pres">
       <dgm:prSet presAssocID="{6ABC60F5-31E7-43F5-BA07-FC9EBAD5EF0B}" presName="sibTrans" presStyleLbl="node1" presStyleIdx="0" presStyleCnt="5"/>
       <dgm:spPr/>
+      <dgm:t>
+        <a:bodyPr/>
+        <a:lstStyle/>
+        <a:p>
+          <a:endParaRPr lang="en-US"/>
+        </a:p>
+      </dgm:t>
     </dgm:pt>
     <dgm:pt modelId="{79D2A033-EF85-41DF-829E-6BEB367A5622}" type="pres">
       <dgm:prSet presAssocID="{5B0903A9-B066-4132-8A2E-D8C5D360138F}" presName="dummy" presStyleCnt="0"/>
@@ -3593,10 +3611,24 @@
         </dgm:presLayoutVars>
       </dgm:prSet>
       <dgm:spPr/>
+      <dgm:t>
+        <a:bodyPr/>
+        <a:lstStyle/>
+        <a:p>
+          <a:endParaRPr lang="en-US"/>
+        </a:p>
+      </dgm:t>
     </dgm:pt>
     <dgm:pt modelId="{104D2489-DD89-496C-BA4D-00ECE4790671}" type="pres">
       <dgm:prSet presAssocID="{C22AA825-CA0C-4B4B-8E07-EC391B0C4938}" presName="sibTrans" presStyleLbl="node1" presStyleIdx="1" presStyleCnt="5"/>
       <dgm:spPr/>
+      <dgm:t>
+        <a:bodyPr/>
+        <a:lstStyle/>
+        <a:p>
+          <a:endParaRPr lang="en-US"/>
+        </a:p>
+      </dgm:t>
     </dgm:pt>
     <dgm:pt modelId="{3D34FAFC-DC44-4D79-94C5-8BAE085DB7D8}" type="pres">
       <dgm:prSet presAssocID="{B1843025-376F-421B-A221-1778E42DA2E6}" presName="dummy" presStyleCnt="0"/>
@@ -3620,6 +3652,13 @@
     <dgm:pt modelId="{1E232748-014E-4407-86D8-BD728BBD1F89}" type="pres">
       <dgm:prSet presAssocID="{72C601B6-0D6C-46EC-AB9A-FCCD867C65A4}" presName="sibTrans" presStyleLbl="node1" presStyleIdx="2" presStyleCnt="5"/>
       <dgm:spPr/>
+      <dgm:t>
+        <a:bodyPr/>
+        <a:lstStyle/>
+        <a:p>
+          <a:endParaRPr lang="en-US"/>
+        </a:p>
+      </dgm:t>
     </dgm:pt>
     <dgm:pt modelId="{AE4154F7-FC99-4B85-AD21-B3698F01C586}" type="pres">
       <dgm:prSet presAssocID="{C27505EA-7649-4977-B78C-FC6BF610C1FC}" presName="dummy" presStyleCnt="0"/>
@@ -3632,10 +3671,24 @@
         </dgm:presLayoutVars>
       </dgm:prSet>
       <dgm:spPr/>
+      <dgm:t>
+        <a:bodyPr/>
+        <a:lstStyle/>
+        <a:p>
+          <a:endParaRPr lang="en-US"/>
+        </a:p>
+      </dgm:t>
     </dgm:pt>
     <dgm:pt modelId="{75BA1069-A761-4AE9-8599-3430B4F78275}" type="pres">
       <dgm:prSet presAssocID="{6E6ACF4E-55E9-436C-80AE-77D7B2A26EC2}" presName="sibTrans" presStyleLbl="node1" presStyleIdx="3" presStyleCnt="5"/>
       <dgm:spPr/>
+      <dgm:t>
+        <a:bodyPr/>
+        <a:lstStyle/>
+        <a:p>
+          <a:endParaRPr lang="en-US"/>
+        </a:p>
+      </dgm:t>
     </dgm:pt>
     <dgm:pt modelId="{ACEB66B4-C61A-4324-B923-440738FC8563}" type="pres">
       <dgm:prSet presAssocID="{3B48275A-1033-413B-B853-39F1D7BF63AC}" presName="dummy" presStyleCnt="0"/>
@@ -3659,11 +3712,18 @@
     <dgm:pt modelId="{3BF1B7F5-6F62-4D5D-8134-B1675A97A83B}" type="pres">
       <dgm:prSet presAssocID="{BB7FAA44-5DC0-43A3-8E74-6CE640486332}" presName="sibTrans" presStyleLbl="node1" presStyleIdx="4" presStyleCnt="5"/>
       <dgm:spPr/>
+      <dgm:t>
+        <a:bodyPr/>
+        <a:lstStyle/>
+        <a:p>
+          <a:endParaRPr lang="en-US"/>
+        </a:p>
+      </dgm:t>
     </dgm:pt>
   </dgm:ptLst>
   <dgm:cxnLst>
+    <dgm:cxn modelId="{7135E8D8-948E-4390-BCF3-851EB33592DA}" type="presOf" srcId="{6E6ACF4E-55E9-436C-80AE-77D7B2A26EC2}" destId="{75BA1069-A761-4AE9-8599-3430B4F78275}" srcOrd="0" destOrd="0" presId="urn:microsoft.com/office/officeart/2005/8/layout/cycle1"/>
     <dgm:cxn modelId="{559BECC2-6C1D-4D4D-933D-6CF3EC00A60A}" type="presOf" srcId="{6ABC60F5-31E7-43F5-BA07-FC9EBAD5EF0B}" destId="{660C7439-46F6-4464-81B8-AB203D13D467}" srcOrd="0" destOrd="0" presId="urn:microsoft.com/office/officeart/2005/8/layout/cycle1"/>
-    <dgm:cxn modelId="{7135E8D8-948E-4390-BCF3-851EB33592DA}" type="presOf" srcId="{6E6ACF4E-55E9-436C-80AE-77D7B2A26EC2}" destId="{75BA1069-A761-4AE9-8599-3430B4F78275}" srcOrd="0" destOrd="0" presId="urn:microsoft.com/office/officeart/2005/8/layout/cycle1"/>
     <dgm:cxn modelId="{44673197-D5F6-4FE9-9BFF-39A48148D90F}" srcId="{E63D8213-343F-4F0D-9233-617D2DABCDD6}" destId="{3B48275A-1033-413B-B853-39F1D7BF63AC}" srcOrd="4" destOrd="0" parTransId="{7A3A81F4-8F25-4797-9C6A-3AF7E37994B7}" sibTransId="{BB7FAA44-5DC0-43A3-8E74-6CE640486332}"/>
     <dgm:cxn modelId="{CE3C7AA0-5E41-4586-B8C5-DD14F4623497}" type="presOf" srcId="{72C601B6-0D6C-46EC-AB9A-FCCD867C65A4}" destId="{1E232748-014E-4407-86D8-BD728BBD1F89}" srcOrd="0" destOrd="0" presId="urn:microsoft.com/office/officeart/2005/8/layout/cycle1"/>
     <dgm:cxn modelId="{958111FA-E29A-449D-9665-CF029CB95AC1}" type="presOf" srcId="{B1843025-376F-421B-A221-1778E42DA2E6}" destId="{F86C42E2-DC8E-4CFD-9CAD-77E93C99267C}" srcOrd="0" destOrd="0" presId="urn:microsoft.com/office/officeart/2005/8/layout/cycle1"/>
@@ -3847,6 +3907,13 @@
         </dgm:presLayoutVars>
       </dgm:prSet>
       <dgm:spPr/>
+      <dgm:t>
+        <a:bodyPr/>
+        <a:lstStyle/>
+        <a:p>
+          <a:endParaRPr lang="en-US"/>
+        </a:p>
+      </dgm:t>
     </dgm:pt>
     <dgm:pt modelId="{3883E5EC-7B31-414C-B31A-FEEC894C6CFC}" type="pres">
       <dgm:prSet presAssocID="{3B3B6DE6-C628-4E81-81FC-271FFFA850A4}" presName="Accent1" presStyleCnt="0"/>
@@ -3865,6 +3932,13 @@
         </dgm:presLayoutVars>
       </dgm:prSet>
       <dgm:spPr/>
+      <dgm:t>
+        <a:bodyPr/>
+        <a:lstStyle/>
+        <a:p>
+          <a:endParaRPr lang="en-US"/>
+        </a:p>
+      </dgm:t>
     </dgm:pt>
     <dgm:pt modelId="{3F3892BB-3035-4D5B-BC9B-8F1DAA9D15D5}" type="pres">
       <dgm:prSet presAssocID="{0668AED6-8389-43E3-AC1A-1277BB68FC35}" presName="Accent2" presStyleCnt="0"/>
@@ -3883,6 +3957,13 @@
         </dgm:presLayoutVars>
       </dgm:prSet>
       <dgm:spPr/>
+      <dgm:t>
+        <a:bodyPr/>
+        <a:lstStyle/>
+        <a:p>
+          <a:endParaRPr lang="en-US"/>
+        </a:p>
+      </dgm:t>
     </dgm:pt>
     <dgm:pt modelId="{9E9D8460-92EA-4D28-9EC5-1C287E1D6FA4}" type="pres">
       <dgm:prSet presAssocID="{6DC298B5-CEDE-47E4-B640-F3A86592ED0F}" presName="Accent3" presStyleCnt="0"/>
@@ -3925,13 +4006,13 @@
     </dgm:pt>
   </dgm:ptLst>
   <dgm:cxnLst>
-    <dgm:cxn modelId="{6D1D55C0-7597-4A15-9E8D-254E58039170}" type="presOf" srcId="{0668AED6-8389-43E3-AC1A-1277BB68FC35}" destId="{571F0EC5-DB12-4307-904E-0CD5060570CC}" srcOrd="0" destOrd="0" presId="urn:microsoft.com/office/officeart/2009/layout/CircleArrowProcess"/>
     <dgm:cxn modelId="{A9854AC6-E85C-46CE-85C2-28BA8A00DDC8}" type="presOf" srcId="{3B3B6DE6-C628-4E81-81FC-271FFFA850A4}" destId="{FD829502-CE0C-40F3-B0F1-6759D4A335E0}" srcOrd="0" destOrd="0" presId="urn:microsoft.com/office/officeart/2009/layout/CircleArrowProcess"/>
-    <dgm:cxn modelId="{A7301528-4E9C-498F-9C1F-EF9F8854332D}" srcId="{3EA25D3D-164F-41BA-9E7D-7BEAEB4236E5}" destId="{3B3B6DE6-C628-4E81-81FC-271FFFA850A4}" srcOrd="0" destOrd="0" parTransId="{1ADA1DD3-831A-4CF0-A97B-70166E01698C}" sibTransId="{5C73D133-7673-4D94-87F9-90456A5D87F0}"/>
-    <dgm:cxn modelId="{89DE5025-C326-4514-91B9-4F2A53EC9978}" srcId="{3EA25D3D-164F-41BA-9E7D-7BEAEB4236E5}" destId="{6DC298B5-CEDE-47E4-B640-F3A86592ED0F}" srcOrd="2" destOrd="0" parTransId="{CB56BB77-1164-407D-AD1E-6A81EFF21B67}" sibTransId="{C6895974-9925-4D50-AF38-EF92A9D71149}"/>
     <dgm:cxn modelId="{4791E162-DBFA-48B2-9C41-8E3D6E853A05}" type="presOf" srcId="{3EA25D3D-164F-41BA-9E7D-7BEAEB4236E5}" destId="{6B8C4649-7384-4666-81CC-C7AC68E5DC04}" srcOrd="0" destOrd="0" presId="urn:microsoft.com/office/officeart/2009/layout/CircleArrowProcess"/>
     <dgm:cxn modelId="{96881FD2-B71E-41DB-9E25-2274164819A0}" srcId="{3EA25D3D-164F-41BA-9E7D-7BEAEB4236E5}" destId="{0668AED6-8389-43E3-AC1A-1277BB68FC35}" srcOrd="1" destOrd="0" parTransId="{1BE41F43-2D42-46B4-8EC4-DAA3D5F45D99}" sibTransId="{47424655-CFE1-4A29-8292-9818EC27476F}"/>
+    <dgm:cxn modelId="{89DE5025-C326-4514-91B9-4F2A53EC9978}" srcId="{3EA25D3D-164F-41BA-9E7D-7BEAEB4236E5}" destId="{6DC298B5-CEDE-47E4-B640-F3A86592ED0F}" srcOrd="2" destOrd="0" parTransId="{CB56BB77-1164-407D-AD1E-6A81EFF21B67}" sibTransId="{C6895974-9925-4D50-AF38-EF92A9D71149}"/>
     <dgm:cxn modelId="{051B745C-2E54-4D63-A2B4-E388DF38BAD9}" type="presOf" srcId="{6DC298B5-CEDE-47E4-B640-F3A86592ED0F}" destId="{60E6D404-F95D-4527-A912-07FD73EFECF4}" srcOrd="0" destOrd="0" presId="urn:microsoft.com/office/officeart/2009/layout/CircleArrowProcess"/>
+    <dgm:cxn modelId="{A7301528-4E9C-498F-9C1F-EF9F8854332D}" srcId="{3EA25D3D-164F-41BA-9E7D-7BEAEB4236E5}" destId="{3B3B6DE6-C628-4E81-81FC-271FFFA850A4}" srcOrd="0" destOrd="0" parTransId="{1ADA1DD3-831A-4CF0-A97B-70166E01698C}" sibTransId="{5C73D133-7673-4D94-87F9-90456A5D87F0}"/>
+    <dgm:cxn modelId="{6D1D55C0-7597-4A15-9E8D-254E58039170}" type="presOf" srcId="{0668AED6-8389-43E3-AC1A-1277BB68FC35}" destId="{571F0EC5-DB12-4307-904E-0CD5060570CC}" srcOrd="0" destOrd="0" presId="urn:microsoft.com/office/officeart/2009/layout/CircleArrowProcess"/>
     <dgm:cxn modelId="{16DAD9B0-3489-4253-9801-89A766007F0F}" type="presParOf" srcId="{6B8C4649-7384-4666-81CC-C7AC68E5DC04}" destId="{3883E5EC-7B31-414C-B31A-FEEC894C6CFC}" srcOrd="0" destOrd="0" presId="urn:microsoft.com/office/officeart/2009/layout/CircleArrowProcess"/>
     <dgm:cxn modelId="{DBE4128E-1784-4315-8862-0C9569553388}" type="presParOf" srcId="{3883E5EC-7B31-414C-B31A-FEEC894C6CFC}" destId="{222EDF31-7198-4297-99F3-F13EABD618D8}" srcOrd="0" destOrd="0" presId="urn:microsoft.com/office/officeart/2009/layout/CircleArrowProcess"/>
     <dgm:cxn modelId="{D795D563-0967-4935-9124-1A1E0DD5075B}" type="presParOf" srcId="{6B8C4649-7384-4666-81CC-C7AC68E5DC04}" destId="{FD829502-CE0C-40F3-B0F1-6759D4A335E0}" srcOrd="1" destOrd="0" presId="urn:microsoft.com/office/officeart/2009/layout/CircleArrowProcess"/>
@@ -4492,6 +4573,13 @@
         </dgm:presLayoutVars>
       </dgm:prSet>
       <dgm:spPr/>
+      <dgm:t>
+        <a:bodyPr/>
+        <a:lstStyle/>
+        <a:p>
+          <a:endParaRPr lang="en-US"/>
+        </a:p>
+      </dgm:t>
     </dgm:pt>
     <dgm:pt modelId="{7BED09E8-94F7-4D9E-9E0E-F5FBE18787D6}" type="pres">
       <dgm:prSet presAssocID="{69CA2C53-1B87-4AE5-A674-8E79091B7CA1}" presName="linNode" presStyleCnt="0"/>
@@ -4504,6 +4592,13 @@
         </dgm:presLayoutVars>
       </dgm:prSet>
       <dgm:spPr/>
+      <dgm:t>
+        <a:bodyPr/>
+        <a:lstStyle/>
+        <a:p>
+          <a:endParaRPr lang="en-US"/>
+        </a:p>
+      </dgm:t>
     </dgm:pt>
     <dgm:pt modelId="{74864EA6-6E68-4DC5-B6D5-D2548207E3E5}" type="pres">
       <dgm:prSet presAssocID="{69CA2C53-1B87-4AE5-A674-8E79091B7CA1}" presName="childShp" presStyleLbl="bgAccFollowNode1" presStyleIdx="0" presStyleCnt="2">
@@ -4535,6 +4630,13 @@
         </dgm:presLayoutVars>
       </dgm:prSet>
       <dgm:spPr/>
+      <dgm:t>
+        <a:bodyPr/>
+        <a:lstStyle/>
+        <a:p>
+          <a:endParaRPr lang="en-US"/>
+        </a:p>
+      </dgm:t>
     </dgm:pt>
     <dgm:pt modelId="{0A62E680-F924-4B74-839B-074D2F0484F4}" type="pres">
       <dgm:prSet presAssocID="{A4E1339E-A420-4274-B4C0-00E44721C69C}" presName="childShp" presStyleLbl="bgAccFollowNode1" presStyleIdx="1" presStyleCnt="2" custLinFactNeighborX="21528" custLinFactNeighborY="26964">
@@ -4558,11 +4660,11 @@
     <dgm:cxn modelId="{46EE16D8-DE8A-430F-8B43-9856DC5F4399}" type="presOf" srcId="{3B6DF25F-D7AB-49CE-B6BA-5DB3D23FDB90}" destId="{0A62E680-F924-4B74-839B-074D2F0484F4}" srcOrd="0" destOrd="2" presId="urn:microsoft.com/office/officeart/2005/8/layout/vList6"/>
     <dgm:cxn modelId="{B2AC1331-FFA3-4548-BCB5-20AD8890EA2E}" type="presOf" srcId="{A4E1339E-A420-4274-B4C0-00E44721C69C}" destId="{8922CC75-2FF9-4285-984D-E171CA112589}" srcOrd="0" destOrd="0" presId="urn:microsoft.com/office/officeart/2005/8/layout/vList6"/>
     <dgm:cxn modelId="{039D381F-8102-417E-8427-AE3D10D79AF5}" type="presOf" srcId="{4A44AFEE-B36D-4CEE-BF86-AB7C8D8513B9}" destId="{9795DA76-A262-41CD-BE66-E86BCBB4E9AC}" srcOrd="0" destOrd="0" presId="urn:microsoft.com/office/officeart/2005/8/layout/vList6"/>
+    <dgm:cxn modelId="{D6A20864-4CC1-4CCC-9C80-06C0F98EA416}" type="presOf" srcId="{EF00E271-E33A-4B12-87EC-2933DA517DE2}" destId="{0A62E680-F924-4B74-839B-074D2F0484F4}" srcOrd="0" destOrd="0" presId="urn:microsoft.com/office/officeart/2005/8/layout/vList6"/>
     <dgm:cxn modelId="{30626F5E-B64F-45FC-A2A8-28BAFEE29D0C}" srcId="{69CA2C53-1B87-4AE5-A674-8E79091B7CA1}" destId="{E4457A85-272E-45FA-925A-701228192651}" srcOrd="0" destOrd="0" parTransId="{51F4ABA8-5768-46B9-8739-3A10E1F18641}" sibTransId="{43FBD410-131E-4BB0-A8DC-F1DE32882827}"/>
-    <dgm:cxn modelId="{D6A20864-4CC1-4CCC-9C80-06C0F98EA416}" type="presOf" srcId="{EF00E271-E33A-4B12-87EC-2933DA517DE2}" destId="{0A62E680-F924-4B74-839B-074D2F0484F4}" srcOrd="0" destOrd="0" presId="urn:microsoft.com/office/officeart/2005/8/layout/vList6"/>
     <dgm:cxn modelId="{476F6A31-5313-46BD-BE47-6A3954C13211}" srcId="{4A44AFEE-B36D-4CEE-BF86-AB7C8D8513B9}" destId="{A4E1339E-A420-4274-B4C0-00E44721C69C}" srcOrd="1" destOrd="0" parTransId="{16BC0589-DAD8-47D3-A2B7-09EF85ADBBEC}" sibTransId="{2C729CB6-DE80-48F5-8983-51C0C0F5343C}"/>
+    <dgm:cxn modelId="{55CA2A67-CC1A-4100-82D9-6D0DB9AD8579}" type="presOf" srcId="{D5C33E82-1E62-40F2-B9A9-526DBADBCAF0}" destId="{0A62E680-F924-4B74-839B-074D2F0484F4}" srcOrd="0" destOrd="1" presId="urn:microsoft.com/office/officeart/2005/8/layout/vList6"/>
     <dgm:cxn modelId="{858B4009-FB5F-46DD-996E-AE2062CE4195}" srcId="{4A44AFEE-B36D-4CEE-BF86-AB7C8D8513B9}" destId="{69CA2C53-1B87-4AE5-A674-8E79091B7CA1}" srcOrd="0" destOrd="0" parTransId="{E3F392FD-C35B-4CC6-B6DC-2E9456058550}" sibTransId="{F1DFC613-1BA4-494C-8241-F90B09A8217E}"/>
-    <dgm:cxn modelId="{55CA2A67-CC1A-4100-82D9-6D0DB9AD8579}" type="presOf" srcId="{D5C33E82-1E62-40F2-B9A9-526DBADBCAF0}" destId="{0A62E680-F924-4B74-839B-074D2F0484F4}" srcOrd="0" destOrd="1" presId="urn:microsoft.com/office/officeart/2005/8/layout/vList6"/>
     <dgm:cxn modelId="{473B2D39-8C02-4ABB-806D-F92F568FAB2C}" srcId="{A4E1339E-A420-4274-B4C0-00E44721C69C}" destId="{3B6DF25F-D7AB-49CE-B6BA-5DB3D23FDB90}" srcOrd="2" destOrd="0" parTransId="{68704B94-A4F8-423D-B568-17D61FCE7707}" sibTransId="{8CCBCA76-3EBD-4A8B-8A6B-E1590DA75609}"/>
     <dgm:cxn modelId="{DA43A038-F46B-464C-ACFE-624F0E93CDEC}" srcId="{A4E1339E-A420-4274-B4C0-00E44721C69C}" destId="{D5C33E82-1E62-40F2-B9A9-526DBADBCAF0}" srcOrd="1" destOrd="0" parTransId="{552321CD-ED66-4C13-8D84-CC2AA86F16C1}" sibTransId="{22C63EAE-A95E-44E8-B514-3FB440794F6C}"/>
     <dgm:cxn modelId="{D1DFBF73-A8E2-4F60-8D2B-7258072E9686}" type="presOf" srcId="{BBB8AF7F-D8E0-4C74-BE7D-A9889622FCB8}" destId="{74864EA6-6E68-4DC5-B6D5-D2548207E3E5}" srcOrd="0" destOrd="2" presId="urn:microsoft.com/office/officeart/2005/8/layout/vList6"/>
@@ -4598,7 +4700,7 @@
 <dgm:dataModel xmlns:dgm="http://schemas.openxmlformats.org/drawingml/2006/diagram" xmlns:a="http://schemas.openxmlformats.org/drawingml/2006/main">
   <dgm:ptLst>
     <dgm:pt modelId="{0589C2D7-BB61-4ADA-B4AA-B1B41B46B1A7}" type="doc">
-      <dgm:prSet loTypeId="urn:microsoft.com/office/officeart/2005/8/layout/arrow4" loCatId="relationship" qsTypeId="urn:microsoft.com/office/officeart/2005/8/quickstyle/3d7" qsCatId="3D" csTypeId="urn:microsoft.com/office/officeart/2005/8/colors/accent3_5" csCatId="accent3" phldr="1"/>
+      <dgm:prSet loTypeId="urn:microsoft.com/office/officeart/2005/8/layout/arrow4" loCatId="relationship" qsTypeId="urn:microsoft.com/office/officeart/2005/8/quickstyle/3d3" qsCatId="3D" csTypeId="urn:microsoft.com/office/officeart/2005/8/colors/accent1_3" csCatId="accent1" phldr="1"/>
       <dgm:spPr/>
       <dgm:t>
         <a:bodyPr/>
@@ -4892,10 +4994,24 @@
         </dgm:presLayoutVars>
       </dgm:prSet>
       <dgm:spPr/>
+      <dgm:t>
+        <a:bodyPr/>
+        <a:lstStyle/>
+        <a:p>
+          <a:endParaRPr lang="en-US"/>
+        </a:p>
+      </dgm:t>
     </dgm:pt>
     <dgm:pt modelId="{DBE0A9E1-BC7A-4D9A-A121-ACB9C659DC9C}" type="pres">
       <dgm:prSet presAssocID="{81458F60-B316-4A41-832C-DD4731C1B473}" presName="upArrow" presStyleLbl="node1" presStyleIdx="0" presStyleCnt="2"/>
       <dgm:spPr/>
+      <dgm:t>
+        <a:bodyPr/>
+        <a:lstStyle/>
+        <a:p>
+          <a:endParaRPr lang="en-US"/>
+        </a:p>
+      </dgm:t>
     </dgm:pt>
     <dgm:pt modelId="{7BEFC372-CCEF-4D36-B047-BF428E1065E7}" type="pres">
       <dgm:prSet presAssocID="{81458F60-B316-4A41-832C-DD4731C1B473}" presName="upArrowText" presStyleLbl="revTx" presStyleIdx="0" presStyleCnt="2">
@@ -4916,6 +5032,13 @@
     <dgm:pt modelId="{31646F1E-2B55-42DB-B186-C9FA5B738B92}" type="pres">
       <dgm:prSet presAssocID="{4DEF0909-FD44-4D59-AA6F-1BD042A0E4F7}" presName="downArrow" presStyleLbl="node1" presStyleIdx="1" presStyleCnt="2"/>
       <dgm:spPr/>
+      <dgm:t>
+        <a:bodyPr/>
+        <a:lstStyle/>
+        <a:p>
+          <a:endParaRPr lang="en-US"/>
+        </a:p>
+      </dgm:t>
     </dgm:pt>
     <dgm:pt modelId="{0BA98C1F-B37C-4528-8DB1-5451E3F30891}" type="pres">
       <dgm:prSet presAssocID="{4DEF0909-FD44-4D59-AA6F-1BD042A0E4F7}" presName="downArrowText" presStyleLbl="revTx" presStyleIdx="1" presStyleCnt="2">
@@ -6971,8 +7094,8 @@
           <a:avLst/>
         </a:prstGeom>
         <a:solidFill>
-          <a:schemeClr val="accent3">
-            <a:alpha val="90000"/>
+          <a:schemeClr val="accent1">
+            <a:shade val="80000"/>
             <a:hueOff val="0"/>
             <a:satOff val="0"/>
             <a:lumOff val="0"/>
@@ -6982,10 +7105,24 @@
         <a:ln>
           <a:noFill/>
         </a:ln>
-        <a:effectLst/>
-        <a:sp3d extrusionH="50600" prstMaterial="metal">
-          <a:bevelT w="101600" h="80600" prst="relaxedInset"/>
-          <a:bevelB w="80600" h="80600" prst="relaxedInset"/>
+        <a:effectLst>
+          <a:outerShdw blurRad="38100" dist="25400" dir="2700000" algn="br" rotWithShape="0">
+            <a:srgbClr val="000000">
+              <a:alpha val="60000"/>
+            </a:srgbClr>
+          </a:outerShdw>
+        </a:effectLst>
+        <a:scene3d>
+          <a:camera prst="orthographicFront">
+            <a:rot lat="0" lon="0" rev="0"/>
+          </a:camera>
+          <a:lightRig rig="contrasting" dir="t">
+            <a:rot lat="0" lon="0" rev="1200000"/>
+          </a:lightRig>
+        </a:scene3d>
+        <a:sp3d contourW="19050" prstMaterial="metal">
+          <a:bevelT w="88900" h="203200"/>
+          <a:bevelB w="165100" h="254000"/>
         </a:sp3d>
       </dsp:spPr>
       <dsp:style>
@@ -6995,11 +7132,11 @@
         <a:fillRef idx="1">
           <a:scrgbClr r="0" g="0" b="0"/>
         </a:fillRef>
-        <a:effectRef idx="1">
+        <a:effectRef idx="2">
           <a:scrgbClr r="0" g="0" b="0"/>
         </a:effectRef>
         <a:fontRef idx="minor">
-          <a:schemeClr val="dk1"/>
+          <a:schemeClr val="lt1"/>
         </a:fontRef>
       </dsp:style>
     </dsp:sp>
@@ -7017,13 +7154,22 @@
           <a:avLst/>
         </a:prstGeom>
         <a:noFill/>
-        <a:ln>
-          <a:noFill/>
+        <a:ln w="9525" cap="flat" cmpd="sng" algn="ctr">
+          <a:solidFill>
+            <a:schemeClr val="dk1">
+              <a:alpha val="0"/>
+              <a:hueOff val="0"/>
+              <a:satOff val="0"/>
+              <a:lumOff val="0"/>
+              <a:alphaOff val="0"/>
+            </a:schemeClr>
+          </a:solidFill>
+          <a:prstDash val="solid"/>
         </a:ln>
         <a:effectLst/>
       </dsp:spPr>
       <dsp:style>
-        <a:lnRef idx="0">
+        <a:lnRef idx="1">
           <a:scrgbClr r="0" g="0" b="0"/>
         </a:lnRef>
         <a:fillRef idx="0">
@@ -7294,21 +7440,35 @@
           <a:avLst/>
         </a:prstGeom>
         <a:solidFill>
-          <a:schemeClr val="accent3">
-            <a:alpha val="90000"/>
-            <a:hueOff val="0"/>
-            <a:satOff val="0"/>
-            <a:lumOff val="0"/>
-            <a:alphaOff val="-40000"/>
+          <a:schemeClr val="accent1">
+            <a:shade val="80000"/>
+            <a:hueOff val="-31013"/>
+            <a:satOff val="383"/>
+            <a:lumOff val="20646"/>
+            <a:alphaOff val="0"/>
           </a:schemeClr>
         </a:solidFill>
         <a:ln>
           <a:noFill/>
         </a:ln>
-        <a:effectLst/>
-        <a:sp3d extrusionH="50600" prstMaterial="metal">
-          <a:bevelT w="101600" h="80600" prst="relaxedInset"/>
-          <a:bevelB w="80600" h="80600" prst="relaxedInset"/>
+        <a:effectLst>
+          <a:outerShdw blurRad="38100" dist="25400" dir="2700000" algn="br" rotWithShape="0">
+            <a:srgbClr val="000000">
+              <a:alpha val="60000"/>
+            </a:srgbClr>
+          </a:outerShdw>
+        </a:effectLst>
+        <a:scene3d>
+          <a:camera prst="orthographicFront">
+            <a:rot lat="0" lon="0" rev="0"/>
+          </a:camera>
+          <a:lightRig rig="contrasting" dir="t">
+            <a:rot lat="0" lon="0" rev="1200000"/>
+          </a:lightRig>
+        </a:scene3d>
+        <a:sp3d contourW="19050" prstMaterial="metal">
+          <a:bevelT w="88900" h="203200"/>
+          <a:bevelB w="165100" h="254000"/>
         </a:sp3d>
       </dsp:spPr>
       <dsp:style>
@@ -7318,11 +7478,11 @@
         <a:fillRef idx="1">
           <a:scrgbClr r="0" g="0" b="0"/>
         </a:fillRef>
-        <a:effectRef idx="1">
+        <a:effectRef idx="2">
           <a:scrgbClr r="0" g="0" b="0"/>
         </a:effectRef>
         <a:fontRef idx="minor">
-          <a:schemeClr val="dk1"/>
+          <a:schemeClr val="lt1"/>
         </a:fontRef>
       </dsp:style>
     </dsp:sp>
@@ -7340,13 +7500,22 @@
           <a:avLst/>
         </a:prstGeom>
         <a:noFill/>
-        <a:ln>
-          <a:noFill/>
+        <a:ln w="9525" cap="flat" cmpd="sng" algn="ctr">
+          <a:solidFill>
+            <a:schemeClr val="dk1">
+              <a:alpha val="0"/>
+              <a:hueOff val="0"/>
+              <a:satOff val="0"/>
+              <a:lumOff val="0"/>
+              <a:alphaOff val="0"/>
+            </a:schemeClr>
+          </a:solidFill>
+          <a:prstDash val="solid"/>
         </a:ln>
         <a:effectLst/>
       </dsp:spPr>
       <dsp:style>
-        <a:lnRef idx="0">
+        <a:lnRef idx="1">
           <a:scrgbClr r="0" g="0" b="0"/>
         </a:lnRef>
         <a:fillRef idx="0">
@@ -13849,26 +14018,28 @@
 </file>
 
 <file path=ppt/diagrams/quickStyle4.xml><?xml version="1.0" encoding="utf-8"?>
-<dgm:styleDef xmlns:dgm="http://schemas.openxmlformats.org/drawingml/2006/diagram" xmlns:a="http://schemas.openxmlformats.org/drawingml/2006/main" uniqueId="urn:microsoft.com/office/officeart/2005/8/quickstyle/3d7">
+<dgm:styleDef xmlns:dgm="http://schemas.openxmlformats.org/drawingml/2006/diagram" xmlns:a="http://schemas.openxmlformats.org/drawingml/2006/main" uniqueId="urn:microsoft.com/office/officeart/2005/8/quickstyle/3d3">
   <dgm:title val=""/>
   <dgm:desc val=""/>
   <dgm:catLst>
-    <dgm:cat type="3D" pri="11700"/>
+    <dgm:cat type="3D" pri="11300"/>
   </dgm:catLst>
   <dgm:scene3d>
-    <a:camera prst="perspectiveLeft" zoom="91000"/>
-    <a:lightRig rig="threePt" dir="t">
-      <a:rot lat="0" lon="0" rev="20640000"/>
-    </a:lightRig>
+    <a:camera prst="orthographicFront"/>
+    <a:lightRig rig="threePt" dir="t"/>
   </dgm:scene3d>
   <dgm:styleLbl name="node0">
     <dgm:scene3d>
-      <a:camera prst="orthographicFront"/>
-      <a:lightRig rig="threePt" dir="t"/>
+      <a:camera prst="orthographicFront">
+        <a:rot lat="0" lon="0" rev="0"/>
+      </a:camera>
+      <a:lightRig rig="contrasting" dir="t">
+        <a:rot lat="0" lon="0" rev="1200000"/>
+      </a:lightRig>
     </dgm:scene3d>
-    <dgm:sp3d extrusionH="50600" prstMaterial="plastic">
-      <a:bevelT w="101600" h="80600" prst="relaxedInset"/>
-      <a:bevelB w="80600" h="80600" prst="relaxedInset"/>
+    <dgm:sp3d contourW="19050" prstMaterial="metal">
+      <a:bevelT w="88900" h="203200"/>
+      <a:bevelB w="165100" h="254000"/>
     </dgm:sp3d>
     <dgm:txPr/>
     <dgm:style>
@@ -13882,18 +14053,22 @@
         <a:scrgbClr r="0" g="0" b="0"/>
       </a:effectRef>
       <a:fontRef idx="minor">
-        <a:schemeClr val="dk1"/>
+        <a:schemeClr val="lt1"/>
       </a:fontRef>
     </dgm:style>
   </dgm:styleLbl>
   <dgm:styleLbl name="lnNode1">
     <dgm:scene3d>
-      <a:camera prst="orthographicFront"/>
-      <a:lightRig rig="threePt" dir="t"/>
+      <a:camera prst="orthographicFront">
+        <a:rot lat="0" lon="0" rev="0"/>
+      </a:camera>
+      <a:lightRig rig="contrasting" dir="t">
+        <a:rot lat="0" lon="0" rev="1200000"/>
+      </a:lightRig>
     </dgm:scene3d>
-    <dgm:sp3d extrusionH="50600" prstMaterial="plastic">
-      <a:bevelT w="101600" h="80600" prst="relaxedInset"/>
-      <a:bevelB w="80600" h="80600" prst="relaxedInset"/>
+    <dgm:sp3d contourW="19050" prstMaterial="metal">
+      <a:bevelT w="88900" h="203200"/>
+      <a:bevelB w="165100" h="254000"/>
     </dgm:sp3d>
     <dgm:txPr/>
     <dgm:style>
@@ -13907,18 +14082,22 @@
         <a:scrgbClr r="0" g="0" b="0"/>
       </a:effectRef>
       <a:fontRef idx="minor">
-        <a:schemeClr val="dk1"/>
+        <a:schemeClr val="lt1"/>
       </a:fontRef>
     </dgm:style>
   </dgm:styleLbl>
   <dgm:styleLbl name="vennNode1">
     <dgm:scene3d>
-      <a:camera prst="orthographicFront"/>
-      <a:lightRig rig="threePt" dir="t"/>
+      <a:camera prst="orthographicFront">
+        <a:rot lat="0" lon="0" rev="0"/>
+      </a:camera>
+      <a:lightRig rig="contrasting" dir="t">
+        <a:rot lat="0" lon="0" rev="1200000"/>
+      </a:lightRig>
     </dgm:scene3d>
-    <dgm:sp3d extrusionH="50600" prstMaterial="clear">
-      <a:bevelT w="101600" h="80600" prst="relaxedInset"/>
-      <a:bevelB w="80600" h="80600" prst="relaxedInset"/>
+    <dgm:sp3d contourW="12700" prstMaterial="clear">
+      <a:bevelT w="177800" h="254000"/>
+      <a:bevelB w="152400"/>
     </dgm:sp3d>
     <dgm:txPr/>
     <dgm:style>
@@ -13938,37 +14117,16 @@
   </dgm:styleLbl>
   <dgm:styleLbl name="alignNode1">
     <dgm:scene3d>
-      <a:camera prst="orthographicFront"/>
-      <a:lightRig rig="threePt" dir="t"/>
+      <a:camera prst="orthographicFront">
+        <a:rot lat="0" lon="0" rev="0"/>
+      </a:camera>
+      <a:lightRig rig="contrasting" dir="t">
+        <a:rot lat="0" lon="0" rev="1200000"/>
+      </a:lightRig>
     </dgm:scene3d>
-    <dgm:sp3d extrusionH="50600" prstMaterial="metal">
-      <a:bevelT w="101600" h="80600" prst="relaxedInset"/>
-      <a:bevelB w="80600" h="80600" prst="relaxedInset"/>
-    </dgm:sp3d>
-    <dgm:txPr/>
-    <dgm:style>
-      <a:lnRef idx="1">
-        <a:scrgbClr r="0" g="0" b="0"/>
-      </a:lnRef>
-      <a:fillRef idx="1">
-        <a:scrgbClr r="0" g="0" b="0"/>
-      </a:fillRef>
-      <a:effectRef idx="1">
-        <a:scrgbClr r="0" g="0" b="0"/>
-      </a:effectRef>
-      <a:fontRef idx="minor">
-        <a:schemeClr val="dk1"/>
-      </a:fontRef>
-    </dgm:style>
-  </dgm:styleLbl>
-  <dgm:styleLbl name="node1">
-    <dgm:scene3d>
-      <a:camera prst="orthographicFront"/>
-      <a:lightRig rig="threePt" dir="t"/>
-    </dgm:scene3d>
-    <dgm:sp3d extrusionH="50600" prstMaterial="metal">
-      <a:bevelT w="101600" h="80600" prst="relaxedInset"/>
-      <a:bevelB w="80600" h="80600" prst="relaxedInset"/>
+    <dgm:sp3d contourW="19050" prstMaterial="metal">
+      <a:bevelT w="88900" h="203200"/>
+      <a:bevelB w="165100" h="254000"/>
     </dgm:sp3d>
     <dgm:txPr/>
     <dgm:style>
@@ -13978,22 +14136,26 @@
       <a:fillRef idx="1">
         <a:scrgbClr r="0" g="0" b="0"/>
       </a:fillRef>
-      <a:effectRef idx="1">
+      <a:effectRef idx="2">
         <a:scrgbClr r="0" g="0" b="0"/>
       </a:effectRef>
       <a:fontRef idx="minor">
-        <a:schemeClr val="dk1"/>
+        <a:schemeClr val="lt1"/>
       </a:fontRef>
     </dgm:style>
   </dgm:styleLbl>
-  <dgm:styleLbl name="node2">
+  <dgm:styleLbl name="node1">
     <dgm:scene3d>
-      <a:camera prst="orthographicFront"/>
-      <a:lightRig rig="threePt" dir="t"/>
+      <a:camera prst="orthographicFront">
+        <a:rot lat="0" lon="0" rev="0"/>
+      </a:camera>
+      <a:lightRig rig="contrasting" dir="t">
+        <a:rot lat="0" lon="0" rev="1200000"/>
+      </a:lightRig>
     </dgm:scene3d>
-    <dgm:sp3d extrusionH="50600" prstMaterial="plastic">
-      <a:bevelT w="101600" h="80600" prst="relaxedInset"/>
-      <a:bevelB w="80600" h="80600" prst="relaxedInset"/>
+    <dgm:sp3d contourW="19050" prstMaterial="metal">
+      <a:bevelT w="88900" h="203200"/>
+      <a:bevelB w="165100" h="254000"/>
     </dgm:sp3d>
     <dgm:txPr/>
     <dgm:style>
@@ -14003,22 +14165,26 @@
       <a:fillRef idx="1">
         <a:scrgbClr r="0" g="0" b="0"/>
       </a:fillRef>
-      <a:effectRef idx="1">
+      <a:effectRef idx="2">
         <a:scrgbClr r="0" g="0" b="0"/>
       </a:effectRef>
       <a:fontRef idx="minor">
-        <a:schemeClr val="dk1"/>
+        <a:schemeClr val="lt1"/>
       </a:fontRef>
     </dgm:style>
   </dgm:styleLbl>
-  <dgm:styleLbl name="node3">
+  <dgm:styleLbl name="node2">
     <dgm:scene3d>
-      <a:camera prst="orthographicFront"/>
-      <a:lightRig rig="threePt" dir="t"/>
+      <a:camera prst="orthographicFront">
+        <a:rot lat="0" lon="0" rev="0"/>
+      </a:camera>
+      <a:lightRig rig="contrasting" dir="t">
+        <a:rot lat="0" lon="0" rev="1200000"/>
+      </a:lightRig>
     </dgm:scene3d>
-    <dgm:sp3d extrusionH="50600" prstMaterial="plastic">
-      <a:bevelT w="101600" h="80600" prst="relaxedInset"/>
-      <a:bevelB w="80600" h="80600" prst="relaxedInset"/>
+    <dgm:sp3d contourW="19050" prstMaterial="metal">
+      <a:bevelT w="88900" h="203200"/>
+      <a:bevelB w="165100" h="254000"/>
     </dgm:sp3d>
     <dgm:txPr/>
     <dgm:style>
@@ -14032,18 +14198,22 @@
         <a:scrgbClr r="0" g="0" b="0"/>
       </a:effectRef>
       <a:fontRef idx="minor">
-        <a:schemeClr val="dk1"/>
+        <a:schemeClr val="lt1"/>
       </a:fontRef>
     </dgm:style>
   </dgm:styleLbl>
-  <dgm:styleLbl name="node4">
+  <dgm:styleLbl name="node3">
     <dgm:scene3d>
-      <a:camera prst="orthographicFront"/>
-      <a:lightRig rig="threePt" dir="t"/>
+      <a:camera prst="orthographicFront">
+        <a:rot lat="0" lon="0" rev="0"/>
+      </a:camera>
+      <a:lightRig rig="contrasting" dir="t">
+        <a:rot lat="0" lon="0" rev="1200000"/>
+      </a:lightRig>
     </dgm:scene3d>
-    <dgm:sp3d extrusionH="50600" prstMaterial="plastic">
-      <a:bevelT w="101600" h="80600" prst="relaxedInset"/>
-      <a:bevelB w="80600" h="80600" prst="relaxedInset"/>
+    <dgm:sp3d contourW="19050" prstMaterial="metal">
+      <a:bevelT w="88900" h="203200"/>
+      <a:bevelB w="165100" h="254000"/>
     </dgm:sp3d>
     <dgm:txPr/>
     <dgm:style>
@@ -14057,18 +14227,22 @@
         <a:scrgbClr r="0" g="0" b="0"/>
       </a:effectRef>
       <a:fontRef idx="minor">
-        <a:schemeClr val="dk1"/>
+        <a:schemeClr val="lt1"/>
       </a:fontRef>
     </dgm:style>
   </dgm:styleLbl>
-  <dgm:styleLbl name="fgImgPlace1">
+  <dgm:styleLbl name="node4">
     <dgm:scene3d>
-      <a:camera prst="orthographicFront"/>
-      <a:lightRig rig="threePt" dir="t"/>
+      <a:camera prst="orthographicFront">
+        <a:rot lat="0" lon="0" rev="0"/>
+      </a:camera>
+      <a:lightRig rig="contrasting" dir="t">
+        <a:rot lat="0" lon="0" rev="1200000"/>
+      </a:lightRig>
     </dgm:scene3d>
-    <dgm:sp3d z="57200" extrusionH="10600" prstMaterial="plastic">
-      <a:bevelT w="101600" h="8600" prst="relaxedInset"/>
-      <a:bevelB w="8600" h="8600" prst="relaxedInset"/>
+    <dgm:sp3d contourW="19050" prstMaterial="metal">
+      <a:bevelT w="88900" h="203200"/>
+      <a:bevelB w="165100" h="254000"/>
     </dgm:sp3d>
     <dgm:txPr/>
     <dgm:style>
@@ -14081,17 +14255,23 @@
       <a:effectRef idx="1">
         <a:scrgbClr r="0" g="0" b="0"/>
       </a:effectRef>
-      <a:fontRef idx="minor"/>
+      <a:fontRef idx="minor">
+        <a:schemeClr val="lt1"/>
+      </a:fontRef>
     </dgm:style>
   </dgm:styleLbl>
-  <dgm:styleLbl name="alignImgPlace1">
+  <dgm:styleLbl name="fgImgPlace1">
     <dgm:scene3d>
-      <a:camera prst="orthographicFront"/>
-      <a:lightRig rig="threePt" dir="t"/>
+      <a:camera prst="orthographicFront">
+        <a:rot lat="0" lon="0" rev="0"/>
+      </a:camera>
+      <a:lightRig rig="contrasting" dir="t">
+        <a:rot lat="0" lon="0" rev="1200000"/>
+      </a:lightRig>
     </dgm:scene3d>
-    <dgm:sp3d extrusionH="50600" prstMaterial="plastic">
-      <a:bevelT w="101600" h="80600" prst="relaxedInset"/>
-      <a:bevelB w="80600" h="80600" prst="relaxedInset"/>
+    <dgm:sp3d z="300000" contourW="19050" prstMaterial="metal">
+      <a:bevelT w="88900" h="203200"/>
+      <a:bevelB w="165100" h="254000"/>
     </dgm:sp3d>
     <dgm:txPr/>
     <dgm:style>
@@ -14107,14 +14287,18 @@
       <a:fontRef idx="minor"/>
     </dgm:style>
   </dgm:styleLbl>
-  <dgm:styleLbl name="bgImgPlace1">
+  <dgm:styleLbl name="alignImgPlace1">
     <dgm:scene3d>
-      <a:camera prst="orthographicFront"/>
-      <a:lightRig rig="threePt" dir="t"/>
+      <a:camera prst="orthographicFront">
+        <a:rot lat="0" lon="0" rev="0"/>
+      </a:camera>
+      <a:lightRig rig="contrasting" dir="t">
+        <a:rot lat="0" lon="0" rev="1200000"/>
+      </a:lightRig>
     </dgm:scene3d>
-    <dgm:sp3d z="-211800" extrusionH="10600" prstMaterial="plastic">
-      <a:bevelT w="101600" h="8600" prst="relaxedInset"/>
-      <a:bevelB w="8600" h="8600" prst="relaxedInset"/>
+    <dgm:sp3d contourW="12700" prstMaterial="flat">
+      <a:bevelT w="177800" h="254000"/>
+      <a:bevelB w="152400"/>
     </dgm:sp3d>
     <dgm:txPr/>
     <dgm:style>
@@ -14130,13 +14314,18 @@
       <a:fontRef idx="minor"/>
     </dgm:style>
   </dgm:styleLbl>
-  <dgm:styleLbl name="sibTrans2D1">
+  <dgm:styleLbl name="bgImgPlace1">
     <dgm:scene3d>
-      <a:camera prst="orthographicFront"/>
-      <a:lightRig rig="threePt" dir="t"/>
+      <a:camera prst="orthographicFront">
+        <a:rot lat="0" lon="0" rev="0"/>
+      </a:camera>
+      <a:lightRig rig="contrasting" dir="t">
+        <a:rot lat="0" lon="0" rev="1200000"/>
+      </a:lightRig>
     </dgm:scene3d>
-    <dgm:sp3d z="-110000">
-      <a:bevelT w="40600" h="20600" prst="relaxedInset"/>
+    <dgm:sp3d z="-300000" contourW="19050" prstMaterial="metal">
+      <a:bevelT w="88900" h="203200"/>
+      <a:bevelB w="165100" h="254000"/>
     </dgm:sp3d>
     <dgm:txPr/>
     <dgm:style>
@@ -14146,19 +14335,24 @@
       <a:fillRef idx="1">
         <a:scrgbClr r="0" g="0" b="0"/>
       </a:fillRef>
-      <a:effectRef idx="2">
+      <a:effectRef idx="1">
         <a:scrgbClr r="0" g="0" b="0"/>
       </a:effectRef>
       <a:fontRef idx="minor"/>
     </dgm:style>
   </dgm:styleLbl>
-  <dgm:styleLbl name="fgSibTrans2D1">
+  <dgm:styleLbl name="sibTrans2D1">
     <dgm:scene3d>
-      <a:camera prst="orthographicFront"/>
-      <a:lightRig rig="threePt" dir="t"/>
+      <a:camera prst="orthographicFront">
+        <a:rot lat="0" lon="0" rev="0"/>
+      </a:camera>
+      <a:lightRig rig="contrasting" dir="t">
+        <a:rot lat="0" lon="0" rev="1200000"/>
+      </a:lightRig>
     </dgm:scene3d>
-    <dgm:sp3d z="10600">
-      <a:bevelT w="40600" h="20600" prst="relaxedInset"/>
+    <dgm:sp3d z="-182000" contourW="19050" prstMaterial="metal">
+      <a:bevelT w="88900" h="203200"/>
+      <a:bevelB w="165100" h="254000"/>
     </dgm:sp3d>
     <dgm:txPr/>
     <dgm:style>
@@ -14168,19 +14362,26 @@
       <a:fillRef idx="1">
         <a:scrgbClr r="0" g="0" b="0"/>
       </a:fillRef>
-      <a:effectRef idx="2">
+      <a:effectRef idx="0">
         <a:scrgbClr r="0" g="0" b="0"/>
       </a:effectRef>
-      <a:fontRef idx="minor"/>
+      <a:fontRef idx="minor">
+        <a:schemeClr val="lt1"/>
+      </a:fontRef>
     </dgm:style>
   </dgm:styleLbl>
-  <dgm:styleLbl name="bgSibTrans2D1">
+  <dgm:styleLbl name="fgSibTrans2D1">
     <dgm:scene3d>
-      <a:camera prst="orthographicFront"/>
-      <a:lightRig rig="threePt" dir="t"/>
+      <a:camera prst="orthographicFront">
+        <a:rot lat="0" lon="0" rev="0"/>
+      </a:camera>
+      <a:lightRig rig="contrasting" dir="t">
+        <a:rot lat="0" lon="0" rev="1200000"/>
+      </a:lightRig>
     </dgm:scene3d>
-    <dgm:sp3d z="-211800">
-      <a:bevelT w="40600" h="20600" prst="relaxedInset"/>
+    <dgm:sp3d z="300000" contourW="19050" prstMaterial="metal">
+      <a:bevelT w="88900" h="203200"/>
+      <a:bevelB w="165100" h="254000"/>
     </dgm:sp3d>
     <dgm:txPr/>
     <dgm:style>
@@ -14190,16 +14391,47 @@
       <a:fillRef idx="1">
         <a:scrgbClr r="0" g="0" b="0"/>
       </a:fillRef>
-      <a:effectRef idx="2">
+      <a:effectRef idx="0">
         <a:scrgbClr r="0" g="0" b="0"/>
       </a:effectRef>
       <a:fontRef idx="minor"/>
     </dgm:style>
   </dgm:styleLbl>
+  <dgm:styleLbl name="bgSibTrans2D1">
+    <dgm:scene3d>
+      <a:camera prst="orthographicFront">
+        <a:rot lat="0" lon="0" rev="0"/>
+      </a:camera>
+      <a:lightRig rig="contrasting" dir="t">
+        <a:rot lat="0" lon="0" rev="1200000"/>
+      </a:lightRig>
+    </dgm:scene3d>
+    <dgm:sp3d z="-300000" contourW="19050" prstMaterial="metal">
+      <a:bevelT w="88900" h="203200"/>
+      <a:bevelB w="165100" h="254000"/>
+    </dgm:sp3d>
+    <dgm:txPr/>
+    <dgm:style>
+      <a:lnRef idx="0">
+        <a:scrgbClr r="0" g="0" b="0"/>
+      </a:lnRef>
+      <a:fillRef idx="1">
+        <a:scrgbClr r="0" g="0" b="0"/>
+      </a:fillRef>
+      <a:effectRef idx="0">
+        <a:scrgbClr r="0" g="0" b="0"/>
+      </a:effectRef>
+      <a:fontRef idx="minor"/>
+    </dgm:style>
+  </dgm:styleLbl>
   <dgm:styleLbl name="sibTrans1D1">
     <dgm:scene3d>
-      <a:camera prst="orthographicFront"/>
-      <a:lightRig rig="threePt" dir="t"/>
+      <a:camera prst="orthographicFront">
+        <a:rot lat="0" lon="0" rev="0"/>
+      </a:camera>
+      <a:lightRig rig="contrasting" dir="t">
+        <a:rot lat="0" lon="0" rev="1200000"/>
+      </a:lightRig>
     </dgm:scene3d>
     <dgm:sp3d z="-110000"/>
     <dgm:txPr/>
@@ -14218,13 +14450,17 @@
   </dgm:styleLbl>
   <dgm:styleLbl name="callout">
     <dgm:scene3d>
-      <a:camera prst="orthographicFront"/>
-      <a:lightRig rig="threePt" dir="t"/>
+      <a:camera prst="orthographicFront">
+        <a:rot lat="0" lon="0" rev="0"/>
+      </a:camera>
+      <a:lightRig rig="contrasting" dir="t">
+        <a:rot lat="0" lon="0" rev="1200000"/>
+      </a:lightRig>
     </dgm:scene3d>
     <dgm:sp3d z="10000"/>
     <dgm:txPr/>
     <dgm:style>
-      <a:lnRef idx="1">
+      <a:lnRef idx="2">
         <a:scrgbClr r="0" g="0" b="0"/>
       </a:lnRef>
       <a:fillRef idx="1">
@@ -14238,12 +14474,16 @@
   </dgm:styleLbl>
   <dgm:styleLbl name="asst0">
     <dgm:scene3d>
-      <a:camera prst="orthographicFront"/>
-      <a:lightRig rig="threePt" dir="t"/>
+      <a:camera prst="orthographicFront">
+        <a:rot lat="0" lon="0" rev="0"/>
+      </a:camera>
+      <a:lightRig rig="contrasting" dir="t">
+        <a:rot lat="0" lon="0" rev="1200000"/>
+      </a:lightRig>
     </dgm:scene3d>
-    <dgm:sp3d extrusionH="50600" prstMaterial="plastic">
-      <a:bevelT w="101600" h="80600" prst="relaxedInset"/>
-      <a:bevelB w="80600" h="80600" prst="relaxedInset"/>
+    <dgm:sp3d contourW="19050" prstMaterial="metal">
+      <a:bevelT w="88900" h="203200"/>
+      <a:bevelB w="165100" h="254000"/>
     </dgm:sp3d>
     <dgm:txPr/>
     <dgm:style>
@@ -14257,18 +14497,22 @@
         <a:scrgbClr r="0" g="0" b="0"/>
       </a:effectRef>
       <a:fontRef idx="minor">
-        <a:schemeClr val="dk1"/>
+        <a:schemeClr val="lt1"/>
       </a:fontRef>
     </dgm:style>
   </dgm:styleLbl>
   <dgm:styleLbl name="asst1">
     <dgm:scene3d>
-      <a:camera prst="orthographicFront"/>
-      <a:lightRig rig="threePt" dir="t"/>
+      <a:camera prst="orthographicFront">
+        <a:rot lat="0" lon="0" rev="0"/>
+      </a:camera>
+      <a:lightRig rig="contrasting" dir="t">
+        <a:rot lat="0" lon="0" rev="1200000"/>
+      </a:lightRig>
     </dgm:scene3d>
-    <dgm:sp3d extrusionH="50600" prstMaterial="plastic">
-      <a:bevelT w="101600" h="80600" prst="relaxedInset"/>
-      <a:bevelB w="80600" h="80600" prst="relaxedInset"/>
+    <dgm:sp3d contourW="19050" prstMaterial="metal">
+      <a:bevelT w="88900" h="203200"/>
+      <a:bevelB w="165100" h="254000"/>
     </dgm:sp3d>
     <dgm:txPr/>
     <dgm:style>
@@ -14282,18 +14526,22 @@
         <a:scrgbClr r="0" g="0" b="0"/>
       </a:effectRef>
       <a:fontRef idx="minor">
-        <a:schemeClr val="dk1"/>
+        <a:schemeClr val="lt1"/>
       </a:fontRef>
     </dgm:style>
   </dgm:styleLbl>
   <dgm:styleLbl name="asst2">
     <dgm:scene3d>
-      <a:camera prst="orthographicFront"/>
-      <a:lightRig rig="threePt" dir="t"/>
+      <a:camera prst="orthographicFront">
+        <a:rot lat="0" lon="0" rev="0"/>
+      </a:camera>
+      <a:lightRig rig="contrasting" dir="t">
+        <a:rot lat="0" lon="0" rev="1200000"/>
+      </a:lightRig>
     </dgm:scene3d>
-    <dgm:sp3d extrusionH="50600" prstMaterial="plastic">
-      <a:bevelT w="101600" h="80600" prst="relaxedInset"/>
-      <a:bevelB w="80600" h="80600" prst="relaxedInset"/>
+    <dgm:sp3d contourW="19050" prstMaterial="metal">
+      <a:bevelT w="88900" h="203200"/>
+      <a:bevelB w="165100" h="254000"/>
     </dgm:sp3d>
     <dgm:txPr/>
     <dgm:style>
@@ -14307,18 +14555,22 @@
         <a:scrgbClr r="0" g="0" b="0"/>
       </a:effectRef>
       <a:fontRef idx="minor">
-        <a:schemeClr val="dk1"/>
+        <a:schemeClr val="lt1"/>
       </a:fontRef>
     </dgm:style>
   </dgm:styleLbl>
   <dgm:styleLbl name="asst3">
     <dgm:scene3d>
-      <a:camera prst="orthographicFront"/>
-      <a:lightRig rig="threePt" dir="t"/>
+      <a:camera prst="orthographicFront">
+        <a:rot lat="0" lon="0" rev="0"/>
+      </a:camera>
+      <a:lightRig rig="contrasting" dir="t">
+        <a:rot lat="0" lon="0" rev="1200000"/>
+      </a:lightRig>
     </dgm:scene3d>
-    <dgm:sp3d extrusionH="50600" prstMaterial="plastic">
-      <a:bevelT w="101600" h="80600" prst="relaxedInset"/>
-      <a:bevelB w="80600" h="80600" prst="relaxedInset"/>
+    <dgm:sp3d contourW="19050" prstMaterial="metal">
+      <a:bevelT w="88900" h="203200"/>
+      <a:bevelB w="165100" h="254000"/>
     </dgm:sp3d>
     <dgm:txPr/>
     <dgm:style>
@@ -14332,7 +14584,7 @@
         <a:scrgbClr r="0" g="0" b="0"/>
       </a:effectRef>
       <a:fontRef idx="minor">
-        <a:schemeClr val="dk1"/>
+        <a:schemeClr val="lt1"/>
       </a:fontRef>
     </dgm:style>
   </dgm:styleLbl>
@@ -14341,9 +14593,9 @@
       <a:camera prst="orthographicFront"/>
       <a:lightRig rig="threePt" dir="t"/>
     </dgm:scene3d>
-    <dgm:sp3d extrusionH="50600" prstMaterial="plastic">
-      <a:bevelT w="101600" h="80600" prst="relaxedInset"/>
-      <a:bevelB w="80600" h="80600" prst="relaxedInset"/>
+    <dgm:sp3d contourW="19050" prstMaterial="metal">
+      <a:bevelT w="88900" h="203200"/>
+      <a:bevelB w="165100" h="254000"/>
     </dgm:sp3d>
     <dgm:txPr/>
     <dgm:style>
@@ -14357,17 +14609,22 @@
         <a:scrgbClr r="0" g="0" b="0"/>
       </a:effectRef>
       <a:fontRef idx="minor">
-        <a:schemeClr val="dk1"/>
+        <a:schemeClr val="lt1"/>
       </a:fontRef>
     </dgm:style>
   </dgm:styleLbl>
   <dgm:styleLbl name="parChTrans2D1">
     <dgm:scene3d>
-      <a:camera prst="orthographicFront"/>
-      <a:lightRig rig="threePt" dir="t"/>
+      <a:camera prst="orthographicFront">
+        <a:rot lat="0" lon="0" rev="0"/>
+      </a:camera>
+      <a:lightRig rig="contrasting" dir="t">
+        <a:rot lat="0" lon="0" rev="1200000"/>
+      </a:lightRig>
     </dgm:scene3d>
-    <dgm:sp3d z="-110000">
-      <a:bevelT w="40600" h="20600" prst="relaxedInset"/>
+    <dgm:sp3d contourW="19050" prstMaterial="metal">
+      <a:bevelT w="88900" h="203200"/>
+      <a:bevelB w="165100" h="254000"/>
     </dgm:sp3d>
     <dgm:txPr/>
     <dgm:style>
@@ -14385,11 +14642,16 @@
   </dgm:styleLbl>
   <dgm:styleLbl name="parChTrans2D2">
     <dgm:scene3d>
-      <a:camera prst="orthographicFront"/>
-      <a:lightRig rig="threePt" dir="t"/>
+      <a:camera prst="orthographicFront">
+        <a:rot lat="0" lon="0" rev="0"/>
+      </a:camera>
+      <a:lightRig rig="contrasting" dir="t">
+        <a:rot lat="0" lon="0" rev="1200000"/>
+      </a:lightRig>
     </dgm:scene3d>
-    <dgm:sp3d z="-110000">
-      <a:bevelT w="40600" h="20600" prst="relaxedInset"/>
+    <dgm:sp3d contourW="19050" prstMaterial="metal">
+      <a:bevelT w="88900" h="203200"/>
+      <a:bevelB w="165100" h="254000"/>
     </dgm:sp3d>
     <dgm:txPr/>
     <dgm:style>
@@ -14407,10 +14669,17 @@
   </dgm:styleLbl>
   <dgm:styleLbl name="parChTrans2D3">
     <dgm:scene3d>
-      <a:camera prst="orthographicFront"/>
-      <a:lightRig rig="threePt" dir="t"/>
+      <a:camera prst="orthographicFront">
+        <a:rot lat="0" lon="0" rev="0"/>
+      </a:camera>
+      <a:lightRig rig="contrasting" dir="t">
+        <a:rot lat="0" lon="0" rev="1200000"/>
+      </a:lightRig>
     </dgm:scene3d>
-    <dgm:sp3d z="-110000"/>
+    <dgm:sp3d contourW="19050" prstMaterial="metal">
+      <a:bevelT w="88900" h="203200"/>
+      <a:bevelB w="165100" h="254000"/>
+    </dgm:sp3d>
     <dgm:txPr/>
     <dgm:style>
       <a:lnRef idx="0">
@@ -14427,10 +14696,17 @@
   </dgm:styleLbl>
   <dgm:styleLbl name="parChTrans2D4">
     <dgm:scene3d>
-      <a:camera prst="orthographicFront"/>
-      <a:lightRig rig="threePt" dir="t"/>
+      <a:camera prst="orthographicFront">
+        <a:rot lat="0" lon="0" rev="0"/>
+      </a:camera>
+      <a:lightRig rig="contrasting" dir="t">
+        <a:rot lat="0" lon="0" rev="1200000"/>
+      </a:lightRig>
     </dgm:scene3d>
-    <dgm:sp3d z="-110000"/>
+    <dgm:sp3d contourW="19050" prstMaterial="metal">
+      <a:bevelT w="88900" h="203200"/>
+      <a:bevelB w="165100" h="254000"/>
+    </dgm:sp3d>
     <dgm:txPr/>
     <dgm:style>
       <a:lnRef idx="0">
@@ -14447,8 +14723,12 @@
   </dgm:styleLbl>
   <dgm:styleLbl name="parChTrans1D1">
     <dgm:scene3d>
-      <a:camera prst="orthographicFront"/>
-      <a:lightRig rig="threePt" dir="t"/>
+      <a:camera prst="orthographicFront">
+        <a:rot lat="0" lon="0" rev="0"/>
+      </a:camera>
+      <a:lightRig rig="contrasting" dir="t">
+        <a:rot lat="0" lon="0" rev="1200000"/>
+      </a:lightRig>
     </dgm:scene3d>
     <dgm:sp3d z="-110000"/>
     <dgm:txPr/>
@@ -14467,8 +14747,12 @@
   </dgm:styleLbl>
   <dgm:styleLbl name="parChTrans1D2">
     <dgm:scene3d>
-      <a:camera prst="orthographicFront"/>
-      <a:lightRig rig="threePt" dir="t"/>
+      <a:camera prst="orthographicFront">
+        <a:rot lat="0" lon="0" rev="0"/>
+      </a:camera>
+      <a:lightRig rig="contrasting" dir="t">
+        <a:rot lat="0" lon="0" rev="1200000"/>
+      </a:lightRig>
     </dgm:scene3d>
     <dgm:sp3d z="-110000"/>
     <dgm:txPr/>
@@ -14487,8 +14771,12 @@
   </dgm:styleLbl>
   <dgm:styleLbl name="parChTrans1D3">
     <dgm:scene3d>
-      <a:camera prst="orthographicFront"/>
-      <a:lightRig rig="threePt" dir="t"/>
+      <a:camera prst="orthographicFront">
+        <a:rot lat="0" lon="0" rev="0"/>
+      </a:camera>
+      <a:lightRig rig="contrasting" dir="t">
+        <a:rot lat="0" lon="0" rev="1200000"/>
+      </a:lightRig>
     </dgm:scene3d>
     <dgm:sp3d z="-110000"/>
     <dgm:txPr/>
@@ -14507,8 +14795,12 @@
   </dgm:styleLbl>
   <dgm:styleLbl name="parChTrans1D4">
     <dgm:scene3d>
-      <a:camera prst="orthographicFront"/>
-      <a:lightRig rig="threePt" dir="t"/>
+      <a:camera prst="orthographicFront">
+        <a:rot lat="0" lon="0" rev="0"/>
+      </a:camera>
+      <a:lightRig rig="contrasting" dir="t">
+        <a:rot lat="0" lon="0" rev="1200000"/>
+      </a:lightRig>
     </dgm:scene3d>
     <dgm:sp3d z="-110000"/>
     <dgm:txPr/>
@@ -14527,126 +14819,16 @@
   </dgm:styleLbl>
   <dgm:styleLbl name="fgAcc1">
     <dgm:scene3d>
-      <a:camera prst="orthographicFront"/>
-      <a:lightRig rig="threePt" dir="t"/>
+      <a:camera prst="orthographicFront">
+        <a:rot lat="0" lon="0" rev="0"/>
+      </a:camera>
+      <a:lightRig rig="contrasting" dir="t">
+        <a:rot lat="0" lon="0" rev="1200000"/>
+      </a:lightRig>
     </dgm:scene3d>
-    <dgm:sp3d z="57200" extrusionH="600" contourW="3000">
-      <a:bevelT w="48600" h="18600" prst="relaxedInset"/>
-      <a:bevelB w="48600" h="8600" prst="relaxedInset"/>
-    </dgm:sp3d>
-    <dgm:txPr/>
-    <dgm:style>
-      <a:lnRef idx="1">
-        <a:scrgbClr r="0" g="0" b="0"/>
-      </a:lnRef>
-      <a:fillRef idx="1">
-        <a:scrgbClr r="0" g="0" b="0"/>
-      </a:fillRef>
-      <a:effectRef idx="0">
-        <a:scrgbClr r="0" g="0" b="0"/>
-      </a:effectRef>
-      <a:fontRef idx="minor"/>
-    </dgm:style>
-  </dgm:styleLbl>
-  <dgm:styleLbl name="conFgAcc1">
-    <dgm:scene3d>
-      <a:camera prst="orthographicFront"/>
-      <a:lightRig rig="threePt" dir="t"/>
-    </dgm:scene3d>
-    <dgm:sp3d z="-161800" extrusionH="10600" prstMaterial="matte">
-      <a:bevelT w="90600" h="18600" prst="softRound"/>
-      <a:bevelB w="48600" h="8600" prst="relaxedInset"/>
-    </dgm:sp3d>
-    <dgm:txPr/>
-    <dgm:style>
-      <a:lnRef idx="1">
-        <a:scrgbClr r="0" g="0" b="0"/>
-      </a:lnRef>
-      <a:fillRef idx="1">
-        <a:scrgbClr r="0" g="0" b="0"/>
-      </a:fillRef>
-      <a:effectRef idx="0">
-        <a:scrgbClr r="0" g="0" b="0"/>
-      </a:effectRef>
-      <a:fontRef idx="minor"/>
-    </dgm:style>
-  </dgm:styleLbl>
-  <dgm:styleLbl name="alignAcc1">
-    <dgm:scene3d>
-      <a:camera prst="orthographicFront"/>
-      <a:lightRig rig="threePt" dir="t"/>
-    </dgm:scene3d>
-    <dgm:sp3d extrusionH="50600">
-      <a:bevelT w="101600" h="80600"/>
-      <a:bevelB w="80600" h="80600"/>
-    </dgm:sp3d>
-    <dgm:txPr/>
-    <dgm:style>
-      <a:lnRef idx="1">
-        <a:scrgbClr r="0" g="0" b="0"/>
-      </a:lnRef>
-      <a:fillRef idx="1">
-        <a:scrgbClr r="0" g="0" b="0"/>
-      </a:fillRef>
-      <a:effectRef idx="0">
-        <a:scrgbClr r="0" g="0" b="0"/>
-      </a:effectRef>
-      <a:fontRef idx="minor"/>
-    </dgm:style>
-  </dgm:styleLbl>
-  <dgm:styleLbl name="trAlignAcc1">
-    <dgm:scene3d>
-      <a:camera prst="orthographicFront"/>
-      <a:lightRig rig="threePt" dir="t"/>
-    </dgm:scene3d>
-    <dgm:sp3d extrusionH="50600">
-      <a:bevelT w="101600" h="80600"/>
-    </dgm:sp3d>
-    <dgm:txPr/>
-    <dgm:style>
-      <a:lnRef idx="1">
-        <a:scrgbClr r="0" g="0" b="0"/>
-      </a:lnRef>
-      <a:fillRef idx="1">
-        <a:scrgbClr r="0" g="0" b="0"/>
-      </a:fillRef>
-      <a:effectRef idx="0">
-        <a:scrgbClr r="0" g="0" b="0"/>
-      </a:effectRef>
-      <a:fontRef idx="minor"/>
-    </dgm:style>
-  </dgm:styleLbl>
-  <dgm:styleLbl name="bgAcc1">
-    <dgm:scene3d>
-      <a:camera prst="orthographicFront"/>
-      <a:lightRig rig="threePt" dir="t"/>
-    </dgm:scene3d>
-    <dgm:sp3d z="-161800" extrusionH="10600" prstMaterial="matte">
-      <a:bevelT w="90600" h="18600" prst="softRound"/>
-      <a:bevelB w="48600" h="8600" prst="relaxedInset"/>
-    </dgm:sp3d>
-    <dgm:txPr/>
-    <dgm:style>
-      <a:lnRef idx="1">
-        <a:scrgbClr r="0" g="0" b="0"/>
-      </a:lnRef>
-      <a:fillRef idx="1">
-        <a:scrgbClr r="0" g="0" b="0"/>
-      </a:fillRef>
-      <a:effectRef idx="0">
-        <a:scrgbClr r="0" g="0" b="0"/>
-      </a:effectRef>
-      <a:fontRef idx="minor"/>
-    </dgm:style>
-  </dgm:styleLbl>
-  <dgm:styleLbl name="solidFgAcc1">
-    <dgm:scene3d>
-      <a:camera prst="orthographicFront"/>
-      <a:lightRig rig="threePt" dir="t"/>
-    </dgm:scene3d>
-    <dgm:sp3d z="57200" extrusionH="600" contourW="3000">
-      <a:bevelT w="48600" h="18600" prst="relaxedInset"/>
-      <a:bevelB w="48600" h="8600" prst="relaxedInset"/>
+    <dgm:sp3d z="300000" contourW="19050" prstMaterial="metal">
+      <a:bevelT w="88900" h="203200"/>
+      <a:bevelB w="165100" h="254000"/>
     </dgm:sp3d>
     <dgm:txPr/>
     <dgm:style>
@@ -14662,14 +14844,18 @@
       <a:fontRef idx="minor"/>
     </dgm:style>
   </dgm:styleLbl>
-  <dgm:styleLbl name="solidAlignAcc1">
+  <dgm:styleLbl name="conFgAcc1">
     <dgm:scene3d>
-      <a:camera prst="orthographicFront"/>
-      <a:lightRig rig="threePt" dir="t"/>
+      <a:camera prst="orthographicFront">
+        <a:rot lat="0" lon="0" rev="0"/>
+      </a:camera>
+      <a:lightRig rig="contrasting" dir="t">
+        <a:rot lat="0" lon="0" rev="1200000"/>
+      </a:lightRig>
     </dgm:scene3d>
-    <dgm:sp3d extrusionH="50600" contourW="3000">
-      <a:bevelT w="101600" h="80600" prst="relaxedInset"/>
-      <a:bevelB w="80600" h="80600" prst="relaxedInset"/>
+    <dgm:sp3d z="300000" contourW="19050" prstMaterial="metal">
+      <a:bevelT w="88900" h="203200"/>
+      <a:bevelB w="165100" h="254000"/>
     </dgm:sp3d>
     <dgm:txPr/>
     <dgm:style>
@@ -14685,14 +14871,18 @@
       <a:fontRef idx="minor"/>
     </dgm:style>
   </dgm:styleLbl>
-  <dgm:styleLbl name="solidBgAcc1">
+  <dgm:styleLbl name="alignAcc1">
     <dgm:scene3d>
-      <a:camera prst="orthographicFront"/>
-      <a:lightRig rig="threePt" dir="t"/>
+      <a:camera prst="orthographicFront">
+        <a:rot lat="0" lon="0" rev="0"/>
+      </a:camera>
+      <a:lightRig rig="contrasting" dir="t">
+        <a:rot lat="0" lon="0" rev="1200000"/>
+      </a:lightRig>
     </dgm:scene3d>
-    <dgm:sp3d z="-161800" extrusionH="10600" contourW="3000">
-      <a:bevelT w="48600" h="8600" prst="softRound"/>
-      <a:bevelB w="48600" h="8600" prst="relaxedInset"/>
+    <dgm:sp3d contourW="19050" prstMaterial="metal">
+      <a:bevelT w="88900" h="203200"/>
+      <a:bevelB w="165100" h="254000"/>
     </dgm:sp3d>
     <dgm:txPr/>
     <dgm:style>
@@ -14708,14 +14898,18 @@
       <a:fontRef idx="minor"/>
     </dgm:style>
   </dgm:styleLbl>
-  <dgm:styleLbl name="fgAccFollowNode1">
+  <dgm:styleLbl name="trAlignAcc1">
     <dgm:scene3d>
-      <a:camera prst="orthographicFront"/>
-      <a:lightRig rig="threePt" dir="t"/>
+      <a:camera prst="orthographicFront">
+        <a:rot lat="0" lon="0" rev="0"/>
+      </a:camera>
+      <a:lightRig rig="contrasting" dir="t">
+        <a:rot lat="0" lon="0" rev="1200000"/>
+      </a:lightRig>
     </dgm:scene3d>
-    <dgm:sp3d z="57200" extrusionH="600" contourW="3000">
-      <a:bevelT w="48600" h="18600" prst="relaxedInset"/>
-      <a:bevelB w="48600" h="8600" prst="relaxedInset"/>
+    <dgm:sp3d contourW="19050" prstMaterial="metal">
+      <a:bevelT w="88900" h="203200"/>
+      <a:bevelB w="165100" h="254000"/>
     </dgm:sp3d>
     <dgm:txPr/>
     <dgm:style>
@@ -14725,20 +14919,24 @@
       <a:fillRef idx="1">
         <a:scrgbClr r="0" g="0" b="0"/>
       </a:fillRef>
-      <a:effectRef idx="0">
+      <a:effectRef idx="1">
         <a:scrgbClr r="0" g="0" b="0"/>
       </a:effectRef>
       <a:fontRef idx="minor"/>
     </dgm:style>
   </dgm:styleLbl>
-  <dgm:styleLbl name="alignAccFollowNode1">
+  <dgm:styleLbl name="bgAcc1">
     <dgm:scene3d>
-      <a:camera prst="orthographicFront"/>
-      <a:lightRig rig="threePt" dir="t"/>
+      <a:camera prst="orthographicFront">
+        <a:rot lat="0" lon="0" rev="0"/>
+      </a:camera>
+      <a:lightRig rig="contrasting" dir="t">
+        <a:rot lat="0" lon="0" rev="1200000"/>
+      </a:lightRig>
     </dgm:scene3d>
-    <dgm:sp3d extrusionH="50600" contourW="3000">
-      <a:bevelT w="101600" h="80600" prst="relaxedInset"/>
-      <a:bevelB w="80600" h="80600" prst="relaxedInset"/>
+    <dgm:sp3d z="-300000" contourW="19050" prstMaterial="metal">
+      <a:bevelT w="88900" h="203200"/>
+      <a:bevelB w="165100" h="254000"/>
     </dgm:sp3d>
     <dgm:txPr/>
     <dgm:style>
@@ -14754,14 +14952,18 @@
       <a:fontRef idx="minor"/>
     </dgm:style>
   </dgm:styleLbl>
-  <dgm:styleLbl name="bgAccFollowNode1">
+  <dgm:styleLbl name="solidFgAcc1">
     <dgm:scene3d>
-      <a:camera prst="orthographicFront"/>
-      <a:lightRig rig="threePt" dir="t"/>
+      <a:camera prst="orthographicFront">
+        <a:rot lat="0" lon="0" rev="0"/>
+      </a:camera>
+      <a:lightRig rig="contrasting" dir="t">
+        <a:rot lat="0" lon="0" rev="1200000"/>
+      </a:lightRig>
     </dgm:scene3d>
-    <dgm:sp3d z="-161800" extrusionH="10600" contourW="3000">
-      <a:bevelT w="48600" h="8600" prst="relaxedInset"/>
-      <a:bevelB w="48600" h="8600" prst="relaxedInset"/>
+    <dgm:sp3d z="300000" contourW="12700" prstMaterial="flat">
+      <a:bevelT w="177800" h="254000"/>
+      <a:bevelB w="152400"/>
     </dgm:sp3d>
     <dgm:txPr/>
     <dgm:style>
@@ -14777,106 +14979,18 @@
       <a:fontRef idx="minor"/>
     </dgm:style>
   </dgm:styleLbl>
-  <dgm:styleLbl name="fgAcc0">
+  <dgm:styleLbl name="solidAlignAcc1">
     <dgm:scene3d>
-      <a:camera prst="orthographicFront"/>
-      <a:lightRig rig="threePt" dir="t"/>
+      <a:camera prst="orthographicFront">
+        <a:rot lat="0" lon="0" rev="0"/>
+      </a:camera>
+      <a:lightRig rig="contrasting" dir="t">
+        <a:rot lat="0" lon="0" rev="1200000"/>
+      </a:lightRig>
     </dgm:scene3d>
-    <dgm:sp3d z="57200" extrusionH="600" contourW="3000">
-      <a:bevelT w="48600" h="18600" prst="relaxedInset"/>
-      <a:bevelB w="48600" h="8600" prst="relaxedInset"/>
-    </dgm:sp3d>
-    <dgm:txPr/>
-    <dgm:style>
-      <a:lnRef idx="1">
-        <a:scrgbClr r="0" g="0" b="0"/>
-      </a:lnRef>
-      <a:fillRef idx="1">
-        <a:scrgbClr r="0" g="0" b="0"/>
-      </a:fillRef>
-      <a:effectRef idx="0">
-        <a:scrgbClr r="0" g="0" b="0"/>
-      </a:effectRef>
-      <a:fontRef idx="minor"/>
-    </dgm:style>
-  </dgm:styleLbl>
-  <dgm:styleLbl name="fgAcc2">
-    <dgm:scene3d>
-      <a:camera prst="orthographicFront"/>
-      <a:lightRig rig="threePt" dir="t"/>
-    </dgm:scene3d>
-    <dgm:sp3d z="57200" extrusionH="600" contourW="3000">
-      <a:bevelT w="48600" h="18600" prst="relaxedInset"/>
-      <a:bevelB w="48600" h="8600" prst="relaxedInset"/>
-    </dgm:sp3d>
-    <dgm:txPr/>
-    <dgm:style>
-      <a:lnRef idx="1">
-        <a:scrgbClr r="0" g="0" b="0"/>
-      </a:lnRef>
-      <a:fillRef idx="1">
-        <a:scrgbClr r="0" g="0" b="0"/>
-      </a:fillRef>
-      <a:effectRef idx="0">
-        <a:scrgbClr r="0" g="0" b="0"/>
-      </a:effectRef>
-      <a:fontRef idx="minor"/>
-    </dgm:style>
-  </dgm:styleLbl>
-  <dgm:styleLbl name="fgAcc3">
-    <dgm:scene3d>
-      <a:camera prst="orthographicFront"/>
-      <a:lightRig rig="threePt" dir="t"/>
-    </dgm:scene3d>
-    <dgm:sp3d z="57200" extrusionH="600" contourW="3000">
-      <a:bevelT w="48600" h="18600" prst="relaxedInset"/>
-      <a:bevelB w="48600" h="8600" prst="relaxedInset"/>
-    </dgm:sp3d>
-    <dgm:txPr/>
-    <dgm:style>
-      <a:lnRef idx="1">
-        <a:scrgbClr r="0" g="0" b="0"/>
-      </a:lnRef>
-      <a:fillRef idx="1">
-        <a:scrgbClr r="0" g="0" b="0"/>
-      </a:fillRef>
-      <a:effectRef idx="0">
-        <a:scrgbClr r="0" g="0" b="0"/>
-      </a:effectRef>
-      <a:fontRef idx="minor"/>
-    </dgm:style>
-  </dgm:styleLbl>
-  <dgm:styleLbl name="fgAcc4">
-    <dgm:scene3d>
-      <a:camera prst="orthographicFront"/>
-      <a:lightRig rig="threePt" dir="t"/>
-    </dgm:scene3d>
-    <dgm:sp3d z="57200" extrusionH="600" contourW="3000">
-      <a:bevelT w="48600" h="18600" prst="relaxedInset"/>
-      <a:bevelB w="48600" h="8600" prst="relaxedInset"/>
-    </dgm:sp3d>
-    <dgm:txPr/>
-    <dgm:style>
-      <a:lnRef idx="1">
-        <a:scrgbClr r="0" g="0" b="0"/>
-      </a:lnRef>
-      <a:fillRef idx="1">
-        <a:scrgbClr r="0" g="0" b="0"/>
-      </a:fillRef>
-      <a:effectRef idx="0">
-        <a:scrgbClr r="0" g="0" b="0"/>
-      </a:effectRef>
-      <a:fontRef idx="minor"/>
-    </dgm:style>
-  </dgm:styleLbl>
-  <dgm:styleLbl name="bgShp">
-    <dgm:scene3d>
-      <a:camera prst="orthographicFront"/>
-      <a:lightRig rig="threePt" dir="t"/>
-    </dgm:scene3d>
-    <dgm:sp3d z="-161800" extrusionH="600" contourW="3000">
-      <a:bevelT w="48600" h="18600" prst="relaxedInset"/>
-      <a:bevelB w="48600" h="8600" prst="relaxedInset"/>
+    <dgm:sp3d contourW="19050" prstMaterial="metal">
+      <a:bevelT w="88900" h="203200"/>
+      <a:bevelB w="165100" h="254000"/>
     </dgm:sp3d>
     <dgm:txPr/>
     <dgm:style>
@@ -14892,14 +15006,18 @@
       <a:fontRef idx="minor"/>
     </dgm:style>
   </dgm:styleLbl>
-  <dgm:styleLbl name="dkBgShp">
+  <dgm:styleLbl name="solidBgAcc1">
     <dgm:scene3d>
-      <a:camera prst="orthographicFront"/>
-      <a:lightRig rig="threePt" dir="t"/>
+      <a:camera prst="orthographicFront">
+        <a:rot lat="0" lon="0" rev="0"/>
+      </a:camera>
+      <a:lightRig rig="contrasting" dir="t">
+        <a:rot lat="0" lon="0" rev="1200000"/>
+      </a:lightRig>
     </dgm:scene3d>
-    <dgm:sp3d extrusionH="50600">
-      <a:bevelT w="80600" h="80600" prst="relaxedInset"/>
-      <a:bevelB w="80600" h="80600" prst="relaxedInset"/>
+    <dgm:sp3d z="-300000" contourW="19050" prstMaterial="metal">
+      <a:bevelT w="88900" h="203200"/>
+      <a:bevelB w="165100" h="254000"/>
     </dgm:sp3d>
     <dgm:txPr/>
     <dgm:style>
@@ -14915,15 +15033,259 @@
       <a:fontRef idx="minor"/>
     </dgm:style>
   </dgm:styleLbl>
+  <dgm:styleLbl name="fgAccFollowNode1">
+    <dgm:scene3d>
+      <a:camera prst="orthographicFront">
+        <a:rot lat="0" lon="0" rev="0"/>
+      </a:camera>
+      <a:lightRig rig="contrasting" dir="t">
+        <a:rot lat="0" lon="0" rev="1200000"/>
+      </a:lightRig>
+    </dgm:scene3d>
+    <dgm:sp3d z="300000" contourW="19050" prstMaterial="metal">
+      <a:bevelT w="88900" h="203200"/>
+      <a:bevelB w="165100" h="254000"/>
+    </dgm:sp3d>
+    <dgm:txPr/>
+    <dgm:style>
+      <a:lnRef idx="0">
+        <a:scrgbClr r="0" g="0" b="0"/>
+      </a:lnRef>
+      <a:fillRef idx="1">
+        <a:scrgbClr r="0" g="0" b="0"/>
+      </a:fillRef>
+      <a:effectRef idx="0">
+        <a:scrgbClr r="0" g="0" b="0"/>
+      </a:effectRef>
+      <a:fontRef idx="minor"/>
+    </dgm:style>
+  </dgm:styleLbl>
+  <dgm:styleLbl name="alignAccFollowNode1">
+    <dgm:scene3d>
+      <a:camera prst="orthographicFront">
+        <a:rot lat="0" lon="0" rev="0"/>
+      </a:camera>
+      <a:lightRig rig="contrasting" dir="t">
+        <a:rot lat="0" lon="0" rev="1200000"/>
+      </a:lightRig>
+    </dgm:scene3d>
+    <dgm:sp3d contourW="19050" prstMaterial="metal">
+      <a:bevelT w="88900" h="203200"/>
+      <a:bevelB w="165100" h="254000"/>
+    </dgm:sp3d>
+    <dgm:txPr/>
+    <dgm:style>
+      <a:lnRef idx="0">
+        <a:scrgbClr r="0" g="0" b="0"/>
+      </a:lnRef>
+      <a:fillRef idx="1">
+        <a:scrgbClr r="0" g="0" b="0"/>
+      </a:fillRef>
+      <a:effectRef idx="0">
+        <a:scrgbClr r="0" g="0" b="0"/>
+      </a:effectRef>
+      <a:fontRef idx="minor"/>
+    </dgm:style>
+  </dgm:styleLbl>
+  <dgm:styleLbl name="bgAccFollowNode1">
+    <dgm:scene3d>
+      <a:camera prst="orthographicFront">
+        <a:rot lat="0" lon="0" rev="0"/>
+      </a:camera>
+      <a:lightRig rig="contrasting" dir="t">
+        <a:rot lat="0" lon="0" rev="1200000"/>
+      </a:lightRig>
+    </dgm:scene3d>
+    <dgm:sp3d z="-300000" contourW="19050" prstMaterial="metal">
+      <a:bevelT w="88900" h="203200"/>
+      <a:bevelB w="165100" h="254000"/>
+    </dgm:sp3d>
+    <dgm:txPr/>
+    <dgm:style>
+      <a:lnRef idx="0">
+        <a:scrgbClr r="0" g="0" b="0"/>
+      </a:lnRef>
+      <a:fillRef idx="1">
+        <a:scrgbClr r="0" g="0" b="0"/>
+      </a:fillRef>
+      <a:effectRef idx="0">
+        <a:scrgbClr r="0" g="0" b="0"/>
+      </a:effectRef>
+      <a:fontRef idx="minor"/>
+    </dgm:style>
+  </dgm:styleLbl>
+  <dgm:styleLbl name="fgAcc0">
+    <dgm:scene3d>
+      <a:camera prst="orthographicFront">
+        <a:rot lat="0" lon="0" rev="0"/>
+      </a:camera>
+      <a:lightRig rig="contrasting" dir="t">
+        <a:rot lat="0" lon="0" rev="1200000"/>
+      </a:lightRig>
+    </dgm:scene3d>
+    <dgm:sp3d z="300000" contourW="19050" prstMaterial="metal">
+      <a:bevelT w="88900" h="203200"/>
+      <a:bevelB w="165100" h="254000"/>
+    </dgm:sp3d>
+    <dgm:txPr/>
+    <dgm:style>
+      <a:lnRef idx="0">
+        <a:scrgbClr r="0" g="0" b="0"/>
+      </a:lnRef>
+      <a:fillRef idx="1">
+        <a:scrgbClr r="0" g="0" b="0"/>
+      </a:fillRef>
+      <a:effectRef idx="0">
+        <a:scrgbClr r="0" g="0" b="0"/>
+      </a:effectRef>
+      <a:fontRef idx="minor"/>
+    </dgm:style>
+  </dgm:styleLbl>
+  <dgm:styleLbl name="fgAcc2">
+    <dgm:scene3d>
+      <a:camera prst="orthographicFront">
+        <a:rot lat="0" lon="0" rev="0"/>
+      </a:camera>
+      <a:lightRig rig="contrasting" dir="t">
+        <a:rot lat="0" lon="0" rev="1200000"/>
+      </a:lightRig>
+    </dgm:scene3d>
+    <dgm:sp3d z="300000" contourW="19050" prstMaterial="metal">
+      <a:bevelT w="88900" h="203200"/>
+      <a:bevelB w="165100" h="254000"/>
+    </dgm:sp3d>
+    <dgm:txPr/>
+    <dgm:style>
+      <a:lnRef idx="0">
+        <a:scrgbClr r="0" g="0" b="0"/>
+      </a:lnRef>
+      <a:fillRef idx="1">
+        <a:scrgbClr r="0" g="0" b="0"/>
+      </a:fillRef>
+      <a:effectRef idx="0">
+        <a:scrgbClr r="0" g="0" b="0"/>
+      </a:effectRef>
+      <a:fontRef idx="minor"/>
+    </dgm:style>
+  </dgm:styleLbl>
+  <dgm:styleLbl name="fgAcc3">
+    <dgm:scene3d>
+      <a:camera prst="orthographicFront">
+        <a:rot lat="0" lon="0" rev="0"/>
+      </a:camera>
+      <a:lightRig rig="contrasting" dir="t">
+        <a:rot lat="0" lon="0" rev="1200000"/>
+      </a:lightRig>
+    </dgm:scene3d>
+    <dgm:sp3d z="300000" contourW="19050" prstMaterial="metal">
+      <a:bevelT w="88900" h="203200"/>
+      <a:bevelB w="165100" h="254000"/>
+    </dgm:sp3d>
+    <dgm:txPr/>
+    <dgm:style>
+      <a:lnRef idx="0">
+        <a:scrgbClr r="0" g="0" b="0"/>
+      </a:lnRef>
+      <a:fillRef idx="1">
+        <a:scrgbClr r="0" g="0" b="0"/>
+      </a:fillRef>
+      <a:effectRef idx="0">
+        <a:scrgbClr r="0" g="0" b="0"/>
+      </a:effectRef>
+      <a:fontRef idx="minor"/>
+    </dgm:style>
+  </dgm:styleLbl>
+  <dgm:styleLbl name="fgAcc4">
+    <dgm:scene3d>
+      <a:camera prst="orthographicFront">
+        <a:rot lat="0" lon="0" rev="0"/>
+      </a:camera>
+      <a:lightRig rig="contrasting" dir="t">
+        <a:rot lat="0" lon="0" rev="1200000"/>
+      </a:lightRig>
+    </dgm:scene3d>
+    <dgm:sp3d z="300000" contourW="19050" prstMaterial="metal">
+      <a:bevelT w="88900" h="203200"/>
+      <a:bevelB w="165100" h="254000"/>
+    </dgm:sp3d>
+    <dgm:txPr/>
+    <dgm:style>
+      <a:lnRef idx="0">
+        <a:scrgbClr r="0" g="0" b="0"/>
+      </a:lnRef>
+      <a:fillRef idx="1">
+        <a:scrgbClr r="0" g="0" b="0"/>
+      </a:fillRef>
+      <a:effectRef idx="0">
+        <a:scrgbClr r="0" g="0" b="0"/>
+      </a:effectRef>
+      <a:fontRef idx="minor"/>
+    </dgm:style>
+  </dgm:styleLbl>
+  <dgm:styleLbl name="bgShp">
+    <dgm:scene3d>
+      <a:camera prst="orthographicFront">
+        <a:rot lat="0" lon="0" rev="0"/>
+      </a:camera>
+      <a:lightRig rig="contrasting" dir="t">
+        <a:rot lat="0" lon="0" rev="1200000"/>
+      </a:lightRig>
+    </dgm:scene3d>
+    <dgm:sp3d z="-300000" prstMaterial="plastic"/>
+    <dgm:txPr/>
+    <dgm:style>
+      <a:lnRef idx="1">
+        <a:scrgbClr r="0" g="0" b="0"/>
+      </a:lnRef>
+      <a:fillRef idx="1">
+        <a:scrgbClr r="0" g="0" b="0"/>
+      </a:fillRef>
+      <a:effectRef idx="0">
+        <a:scrgbClr r="0" g="0" b="0"/>
+      </a:effectRef>
+      <a:fontRef idx="minor"/>
+    </dgm:style>
+  </dgm:styleLbl>
+  <dgm:styleLbl name="dkBgShp">
+    <dgm:scene3d>
+      <a:camera prst="orthographicFront">
+        <a:rot lat="0" lon="0" rev="0"/>
+      </a:camera>
+      <a:lightRig rig="contrasting" dir="t">
+        <a:rot lat="0" lon="0" rev="1200000"/>
+      </a:lightRig>
+    </dgm:scene3d>
+    <dgm:sp3d contourW="12700" prstMaterial="flat">
+      <a:bevelT w="100800" h="154000"/>
+      <a:bevelB w="152400"/>
+    </dgm:sp3d>
+    <dgm:txPr/>
+    <dgm:style>
+      <a:lnRef idx="0">
+        <a:scrgbClr r="0" g="0" b="0"/>
+      </a:lnRef>
+      <a:fillRef idx="1">
+        <a:scrgbClr r="0" g="0" b="0"/>
+      </a:fillRef>
+      <a:effectRef idx="0">
+        <a:scrgbClr r="0" g="0" b="0"/>
+      </a:effectRef>
+      <a:fontRef idx="minor"/>
+    </dgm:style>
+  </dgm:styleLbl>
   <dgm:styleLbl name="trBgShp">
     <dgm:scene3d>
-      <a:camera prst="orthographicFront"/>
-      <a:lightRig rig="threePt" dir="t"/>
+      <a:camera prst="orthographicFront">
+        <a:rot lat="0" lon="0" rev="0"/>
+      </a:camera>
+      <a:lightRig rig="contrasting" dir="t">
+        <a:rot lat="0" lon="0" rev="1200000"/>
+      </a:lightRig>
     </dgm:scene3d>
     <dgm:sp3d z="-152400" prstMaterial="matte"/>
     <dgm:txPr/>
     <dgm:style>
-      <a:lnRef idx="0">
+      <a:lnRef idx="1">
         <a:scrgbClr r="0" g="0" b="0"/>
       </a:lnRef>
       <a:fillRef idx="1">
@@ -14937,12 +15299,16 @@
   </dgm:styleLbl>
   <dgm:styleLbl name="fgShp">
     <dgm:scene3d>
-      <a:camera prst="orthographicFront"/>
-      <a:lightRig rig="threePt" dir="t"/>
+      <a:camera prst="orthographicFront">
+        <a:rot lat="0" lon="0" rev="0"/>
+      </a:camera>
+      <a:lightRig rig="contrasting" dir="t">
+        <a:rot lat="0" lon="0" rev="1200000"/>
+      </a:lightRig>
     </dgm:scene3d>
-    <dgm:sp3d z="57200" extrusionH="600" contourW="3000" prstMaterial="plastic">
-      <a:bevelT w="80600" h="18600" prst="relaxedInset"/>
-      <a:bevelB w="80600" h="8600" prst="relaxedInset"/>
+    <dgm:sp3d z="300000" contourW="19050" prstMaterial="metal">
+      <a:bevelT w="88900" h="203200"/>
+      <a:bevelB w="165100" h="254000"/>
     </dgm:sp3d>
     <dgm:txPr/>
     <dgm:style>
@@ -14966,7 +15332,7 @@
     <dgm:sp3d/>
     <dgm:txPr/>
     <dgm:style>
-      <a:lnRef idx="0">
+      <a:lnRef idx="1">
         <a:scrgbClr r="0" g="0" b="0"/>
       </a:lnRef>
       <a:fillRef idx="0">
@@ -15063,7 +15429,7 @@
           <a:p>
             <a:fld id="{02747C37-D168-4D0C-A6E6-1882BD734731}" type="datetimeFigureOut">
               <a:rPr lang="en-US" smtClean="0"/>
-              <a:t>11/18/2019</a:t>
+              <a:t>11/19/2019</a:t>
             </a:fld>
             <a:endParaRPr lang="en-US"/>
           </a:p>
@@ -15396,7 +15762,7 @@
           <a:p>
             <a:fld id="{9D5E2C0D-9FC1-4751-9A51-B4694FABBBCB}" type="slidenum">
               <a:rPr lang="en-US" smtClean="0"/>
-              <a:t>6</a:t>
+              <a:t>7</a:t>
             </a:fld>
             <a:endParaRPr lang="en-US"/>
           </a:p>
@@ -15603,7 +15969,7 @@
           <a:p>
             <a:fld id="{D1F227C6-7A08-46DD-8D1C-F05307FF1091}" type="datetimeFigureOut">
               <a:rPr lang="en-US" smtClean="0"/>
-              <a:t>11/18/2019</a:t>
+              <a:t>11/19/2019</a:t>
             </a:fld>
             <a:endParaRPr lang="en-US"/>
           </a:p>
@@ -15803,7 +16169,7 @@
           <a:p>
             <a:fld id="{D1F227C6-7A08-46DD-8D1C-F05307FF1091}" type="datetimeFigureOut">
               <a:rPr lang="en-US" smtClean="0"/>
-              <a:t>11/18/2019</a:t>
+              <a:t>11/19/2019</a:t>
             </a:fld>
             <a:endParaRPr lang="en-US"/>
           </a:p>
@@ -15978,7 +16344,7 @@
           <a:p>
             <a:fld id="{D1F227C6-7A08-46DD-8D1C-F05307FF1091}" type="datetimeFigureOut">
               <a:rPr lang="en-US" smtClean="0"/>
-              <a:t>11/18/2019</a:t>
+              <a:t>11/19/2019</a:t>
             </a:fld>
             <a:endParaRPr lang="en-US"/>
           </a:p>
@@ -16143,7 +16509,7 @@
           <a:p>
             <a:fld id="{D1F227C6-7A08-46DD-8D1C-F05307FF1091}" type="datetimeFigureOut">
               <a:rPr lang="en-US" smtClean="0"/>
-              <a:t>11/18/2019</a:t>
+              <a:t>11/19/2019</a:t>
             </a:fld>
             <a:endParaRPr lang="en-US"/>
           </a:p>
@@ -16391,7 +16757,7 @@
           <a:p>
             <a:fld id="{D1F227C6-7A08-46DD-8D1C-F05307FF1091}" type="datetimeFigureOut">
               <a:rPr lang="en-US" smtClean="0"/>
-              <a:t>11/18/2019</a:t>
+              <a:t>11/19/2019</a:t>
             </a:fld>
             <a:endParaRPr lang="en-US"/>
           </a:p>
@@ -16709,7 +17075,7 @@
           <a:p>
             <a:fld id="{D1F227C6-7A08-46DD-8D1C-F05307FF1091}" type="datetimeFigureOut">
               <a:rPr lang="en-US" smtClean="0"/>
-              <a:t>11/18/2019</a:t>
+              <a:t>11/19/2019</a:t>
             </a:fld>
             <a:endParaRPr lang="en-US"/>
           </a:p>
@@ -17175,7 +17541,7 @@
           <a:p>
             <a:fld id="{D1F227C6-7A08-46DD-8D1C-F05307FF1091}" type="datetimeFigureOut">
               <a:rPr lang="en-US" smtClean="0"/>
-              <a:t>11/18/2019</a:t>
+              <a:t>11/19/2019</a:t>
             </a:fld>
             <a:endParaRPr lang="en-US"/>
           </a:p>
@@ -17323,7 +17689,7 @@
           <a:p>
             <a:fld id="{D1F227C6-7A08-46DD-8D1C-F05307FF1091}" type="datetimeFigureOut">
               <a:rPr lang="en-US" smtClean="0"/>
-              <a:t>11/18/2019</a:t>
+              <a:t>11/19/2019</a:t>
             </a:fld>
             <a:endParaRPr lang="en-US"/>
           </a:p>
@@ -17413,7 +17779,7 @@
           <a:p>
             <a:fld id="{D1F227C6-7A08-46DD-8D1C-F05307FF1091}" type="datetimeFigureOut">
               <a:rPr lang="en-US" smtClean="0"/>
-              <a:t>11/18/2019</a:t>
+              <a:t>11/19/2019</a:t>
             </a:fld>
             <a:endParaRPr lang="en-US"/>
           </a:p>
@@ -17687,7 +18053,7 @@
           <a:p>
             <a:fld id="{D1F227C6-7A08-46DD-8D1C-F05307FF1091}" type="datetimeFigureOut">
               <a:rPr lang="en-US" smtClean="0"/>
-              <a:t>11/18/2019</a:t>
+              <a:t>11/19/2019</a:t>
             </a:fld>
             <a:endParaRPr lang="en-US"/>
           </a:p>
@@ -17992,7 +18358,7 @@
           <a:p>
             <a:fld id="{D1F227C6-7A08-46DD-8D1C-F05307FF1091}" type="datetimeFigureOut">
               <a:rPr lang="en-US" smtClean="0"/>
-              <a:t>11/18/2019</a:t>
+              <a:t>11/19/2019</a:t>
             </a:fld>
             <a:endParaRPr lang="en-US"/>
           </a:p>
@@ -18290,7 +18656,7 @@
           <a:p>
             <a:fld id="{D1F227C6-7A08-46DD-8D1C-F05307FF1091}" type="datetimeFigureOut">
               <a:rPr lang="en-US" smtClean="0"/>
-              <a:t>11/18/2019</a:t>
+              <a:t>11/19/2019</a:t>
             </a:fld>
             <a:endParaRPr lang="en-US"/>
           </a:p>
@@ -18913,13 +19279,13 @@
   <p:clrMapOvr>
     <a:masterClrMapping/>
   </p:clrMapOvr>
-  <mc:AlternateContent xmlns:mc="http://schemas.openxmlformats.org/markup-compatibility/2006">
-    <mc:Choice xmlns:p14="http://schemas.microsoft.com/office/powerpoint/2010/main" Requires="p14">
+  <mc:AlternateContent xmlns:mc="http://schemas.openxmlformats.org/markup-compatibility/2006" xmlns:p14="http://schemas.microsoft.com/office/powerpoint/2010/main">
+    <mc:Choice Requires="p14">
       <p:transition spd="med" p14:dur="700">
         <p:fade/>
       </p:transition>
     </mc:Choice>
-    <mc:Fallback>
+    <mc:Fallback xmlns="">
       <p:transition spd="med">
         <p:fade/>
       </p:transition>
@@ -18936,6 +19302,288 @@
 </file>
 
 <file path=ppt/slides/slide10.xml><?xml version="1.0" encoding="utf-8"?>
+<p:sld xmlns:a="http://schemas.openxmlformats.org/drawingml/2006/main" xmlns:r="http://schemas.openxmlformats.org/officeDocument/2006/relationships" xmlns:p="http://schemas.openxmlformats.org/presentationml/2006/main">
+  <p:cSld>
+    <p:spTree>
+      <p:nvGrpSpPr>
+        <p:cNvPr id="1" name=""/>
+        <p:cNvGrpSpPr/>
+        <p:nvPr/>
+      </p:nvGrpSpPr>
+      <p:grpSpPr>
+        <a:xfrm>
+          <a:off x="0" y="0"/>
+          <a:ext cx="0" cy="0"/>
+          <a:chOff x="0" y="0"/>
+          <a:chExt cx="0" cy="0"/>
+        </a:xfrm>
+      </p:grpSpPr>
+      <p:sp>
+        <p:nvSpPr>
+          <p:cNvPr id="2" name="Title 1"/>
+          <p:cNvSpPr>
+            <a:spLocks noGrp="1"/>
+          </p:cNvSpPr>
+          <p:nvPr>
+            <p:ph type="title"/>
+          </p:nvPr>
+        </p:nvSpPr>
+        <p:spPr/>
+        <p:txBody>
+          <a:bodyPr>
+            <a:normAutofit fontScale="90000"/>
+          </a:bodyPr>
+          <a:lstStyle/>
+          <a:p>
+            <a:r>
+              <a:rPr lang="en-US" dirty="0" smtClean="0"/>
+              <a:t>Sequence Diagram</a:t>
+            </a:r>
+            <a:br>
+              <a:rPr lang="en-US" dirty="0" smtClean="0"/>
+            </a:br>
+            <a:r>
+              <a:rPr lang="en-US" sz="2000" dirty="0" err="1" smtClean="0"/>
+              <a:t>Sistem</a:t>
+            </a:r>
+            <a:r>
+              <a:rPr lang="en-US" sz="2000" dirty="0" smtClean="0"/>
+              <a:t> </a:t>
+            </a:r>
+            <a:r>
+              <a:rPr lang="en-US" sz="2000" dirty="0" err="1" smtClean="0"/>
+              <a:t>Masuk</a:t>
+            </a:r>
+            <a:r>
+              <a:rPr lang="en-US" sz="2000" dirty="0" smtClean="0"/>
+              <a:t> </a:t>
+            </a:r>
+            <a:r>
+              <a:rPr lang="en-US" sz="2000" dirty="0" err="1" smtClean="0"/>
+              <a:t>Parkir</a:t>
+            </a:r>
+            <a:endParaRPr lang="en-US" dirty="0"/>
+          </a:p>
+        </p:txBody>
+      </p:sp>
+      <p:pic>
+        <p:nvPicPr>
+          <p:cNvPr id="4" name="Content Placeholder 3"/>
+          <p:cNvPicPr>
+            <a:picLocks noGrp="1"/>
+          </p:cNvPicPr>
+          <p:nvPr>
+            <p:ph idx="1"/>
+          </p:nvPr>
+        </p:nvPicPr>
+        <p:blipFill>
+          <a:blip r:embed="rId2"/>
+          <a:stretch>
+            <a:fillRect/>
+          </a:stretch>
+        </p:blipFill>
+        <p:spPr>
+          <a:xfrm>
+            <a:off x="361950" y="2085975"/>
+            <a:ext cx="8401050" cy="3705225"/>
+          </a:xfrm>
+          <a:prstGeom prst="rect">
+            <a:avLst/>
+          </a:prstGeom>
+          <a:ln>
+            <a:noFill/>
+          </a:ln>
+          <a:effectLst>
+            <a:outerShdw blurRad="190500" algn="tl" rotWithShape="0">
+              <a:srgbClr val="000000">
+                <a:alpha val="70000"/>
+              </a:srgbClr>
+            </a:outerShdw>
+          </a:effectLst>
+        </p:spPr>
+      </p:pic>
+    </p:spTree>
+    <p:extLst>
+      <p:ext uri="{BB962C8B-B14F-4D97-AF65-F5344CB8AC3E}">
+        <p14:creationId xmlns:p14="http://schemas.microsoft.com/office/powerpoint/2010/main" val="1814160008"/>
+      </p:ext>
+    </p:extLst>
+  </p:cSld>
+  <p:clrMapOvr>
+    <a:masterClrMapping/>
+  </p:clrMapOvr>
+  <mc:AlternateContent xmlns:mc="http://schemas.openxmlformats.org/markup-compatibility/2006" xmlns:p14="http://schemas.microsoft.com/office/powerpoint/2010/main">
+    <mc:Choice Requires="p14">
+      <p:transition spd="slow" p14:dur="1600">
+        <p14:conveyor dir="l"/>
+      </p:transition>
+    </mc:Choice>
+    <mc:Fallback xmlns="">
+      <p:transition spd="slow">
+        <p:fade/>
+      </p:transition>
+    </mc:Fallback>
+  </mc:AlternateContent>
+  <p:timing>
+    <p:tnLst>
+      <p:par>
+        <p:cTn id="1" dur="indefinite" restart="never" nodeType="tmRoot"/>
+      </p:par>
+    </p:tnLst>
+  </p:timing>
+</p:sld>
+</file>
+
+<file path=ppt/slides/slide11.xml><?xml version="1.0" encoding="utf-8"?>
+<p:sld xmlns:a="http://schemas.openxmlformats.org/drawingml/2006/main" xmlns:r="http://schemas.openxmlformats.org/officeDocument/2006/relationships" xmlns:p="http://schemas.openxmlformats.org/presentationml/2006/main">
+  <p:cSld>
+    <p:spTree>
+      <p:nvGrpSpPr>
+        <p:cNvPr id="1" name=""/>
+        <p:cNvGrpSpPr/>
+        <p:nvPr/>
+      </p:nvGrpSpPr>
+      <p:grpSpPr>
+        <a:xfrm>
+          <a:off x="0" y="0"/>
+          <a:ext cx="0" cy="0"/>
+          <a:chOff x="0" y="0"/>
+          <a:chExt cx="0" cy="0"/>
+        </a:xfrm>
+      </p:grpSpPr>
+      <p:sp>
+        <p:nvSpPr>
+          <p:cNvPr id="2" name="Title 1"/>
+          <p:cNvSpPr>
+            <a:spLocks noGrp="1"/>
+          </p:cNvSpPr>
+          <p:nvPr>
+            <p:ph type="title"/>
+          </p:nvPr>
+        </p:nvSpPr>
+        <p:spPr/>
+        <p:txBody>
+          <a:bodyPr>
+            <a:normAutofit fontScale="90000"/>
+          </a:bodyPr>
+          <a:lstStyle/>
+          <a:p>
+            <a:r>
+              <a:rPr lang="en-US" dirty="0"/>
+              <a:t>Sequence Diagram</a:t>
+            </a:r>
+            <a:br>
+              <a:rPr lang="en-US" dirty="0"/>
+            </a:br>
+            <a:r>
+              <a:rPr lang="en-US" sz="2000" dirty="0" err="1"/>
+              <a:t>Sistem</a:t>
+            </a:r>
+            <a:r>
+              <a:rPr lang="en-US" sz="2000" dirty="0"/>
+              <a:t> </a:t>
+            </a:r>
+            <a:r>
+              <a:rPr lang="en-US" sz="2000" dirty="0" err="1" smtClean="0"/>
+              <a:t>Keluar</a:t>
+            </a:r>
+            <a:r>
+              <a:rPr lang="en-US" sz="2000" dirty="0" smtClean="0"/>
+              <a:t> </a:t>
+            </a:r>
+            <a:r>
+              <a:rPr lang="en-US" sz="2000" dirty="0" err="1"/>
+              <a:t>Parkir</a:t>
+            </a:r>
+            <a:endParaRPr lang="en-US" dirty="0"/>
+          </a:p>
+        </p:txBody>
+      </p:sp>
+      <p:pic>
+        <p:nvPicPr>
+          <p:cNvPr id="4" name="Picture 2" descr="C:\Users\user\Downloads\Untitled Diagram-Page-3.jpg"/>
+          <p:cNvPicPr>
+            <a:picLocks noGrp="1" noChangeAspect="1" noChangeArrowheads="1"/>
+          </p:cNvPicPr>
+          <p:nvPr>
+            <p:ph idx="1"/>
+          </p:nvPr>
+        </p:nvPicPr>
+        <p:blipFill>
+          <a:blip r:embed="rId2">
+            <a:extLst>
+              <a:ext uri="{28A0092B-C50C-407E-A947-70E740481C1C}">
+                <a14:useLocalDpi xmlns:a14="http://schemas.microsoft.com/office/drawing/2010/main" val="0"/>
+              </a:ext>
+            </a:extLst>
+          </a:blip>
+          <a:srcRect/>
+          <a:stretch>
+            <a:fillRect/>
+          </a:stretch>
+        </p:blipFill>
+        <p:spPr bwMode="auto">
+          <a:xfrm>
+            <a:off x="457200" y="2067606"/>
+            <a:ext cx="8229600" cy="3941987"/>
+          </a:xfrm>
+          <a:prstGeom prst="rect">
+            <a:avLst/>
+          </a:prstGeom>
+          <a:ln>
+            <a:noFill/>
+          </a:ln>
+          <a:effectLst>
+            <a:outerShdw blurRad="292100" dist="139700" dir="2700000" algn="tl" rotWithShape="0">
+              <a:srgbClr val="333333">
+                <a:alpha val="65000"/>
+              </a:srgbClr>
+            </a:outerShdw>
+          </a:effectLst>
+          <a:extLst>
+            <a:ext uri="{909E8E84-426E-40DD-AFC4-6F175D3DCCD1}">
+              <a14:hiddenFill xmlns:a14="http://schemas.microsoft.com/office/drawing/2010/main">
+                <a:solidFill>
+                  <a:srgbClr val="FFFFFF"/>
+                </a:solidFill>
+              </a14:hiddenFill>
+            </a:ext>
+          </a:extLst>
+        </p:spPr>
+      </p:pic>
+    </p:spTree>
+    <p:extLst>
+      <p:ext uri="{BB962C8B-B14F-4D97-AF65-F5344CB8AC3E}">
+        <p14:creationId xmlns:p14="http://schemas.microsoft.com/office/powerpoint/2010/main" val="4121485197"/>
+      </p:ext>
+    </p:extLst>
+  </p:cSld>
+  <p:clrMapOvr>
+    <a:masterClrMapping/>
+  </p:clrMapOvr>
+  <mc:AlternateContent xmlns:mc="http://schemas.openxmlformats.org/markup-compatibility/2006">
+    <mc:Choice xmlns:p14="http://schemas.microsoft.com/office/powerpoint/2010/main" Requires="p14">
+      <p:transition spd="slow" p14:dur="3900">
+        <p14:glitter pattern="hexagon"/>
+      </p:transition>
+    </mc:Choice>
+    <mc:Fallback>
+      <p:transition spd="slow">
+        <p:fade/>
+      </p:transition>
+    </mc:Fallback>
+  </mc:AlternateContent>
+  <p:timing>
+    <p:tnLst>
+      <p:par>
+        <p:cTn id="1" dur="indefinite" restart="never" nodeType="tmRoot"/>
+      </p:par>
+    </p:tnLst>
+  </p:timing>
+</p:sld>
+</file>
+
+<file path=ppt/slides/slide12.xml><?xml version="1.0" encoding="utf-8"?>
 <p:sld xmlns:a="http://schemas.openxmlformats.org/drawingml/2006/main" xmlns:r="http://schemas.openxmlformats.org/officeDocument/2006/relationships" xmlns:p="http://schemas.openxmlformats.org/presentationml/2006/main">
   <p:cSld>
     <p:spTree>
@@ -20273,7 +20921,7 @@
 </p:sld>
 </file>
 
-<file path=ppt/slides/slide11.xml><?xml version="1.0" encoding="utf-8"?>
+<file path=ppt/slides/slide13.xml><?xml version="1.0" encoding="utf-8"?>
 <p:sld xmlns:a="http://schemas.openxmlformats.org/drawingml/2006/main" xmlns:r="http://schemas.openxmlformats.org/officeDocument/2006/relationships" xmlns:p="http://schemas.openxmlformats.org/presentationml/2006/main">
   <p:cSld>
     <p:spTree>
@@ -20366,13 +21014,13 @@
   <p:clrMapOvr>
     <a:masterClrMapping/>
   </p:clrMapOvr>
-  <mc:AlternateContent xmlns:mc="http://schemas.openxmlformats.org/markup-compatibility/2006">
-    <mc:Choice xmlns:p14="http://schemas.microsoft.com/office/powerpoint/2010/main" Requires="p14">
+  <mc:AlternateContent xmlns:mc="http://schemas.openxmlformats.org/markup-compatibility/2006" xmlns:p14="http://schemas.microsoft.com/office/powerpoint/2010/main">
+    <mc:Choice Requires="p14">
       <p:transition spd="slow" p14:dur="1600">
         <p14:prism dir="r" isContent="1"/>
       </p:transition>
     </mc:Choice>
-    <mc:Fallback>
+    <mc:Fallback xmlns="">
       <p:transition spd="slow">
         <p:fade/>
       </p:transition>
@@ -20388,7 +21036,7 @@
 </p:sld>
 </file>
 
-<file path=ppt/slides/slide12.xml><?xml version="1.0" encoding="utf-8"?>
+<file path=ppt/slides/slide14.xml><?xml version="1.0" encoding="utf-8"?>
 <p:sld xmlns:a="http://schemas.openxmlformats.org/drawingml/2006/main" xmlns:r="http://schemas.openxmlformats.org/officeDocument/2006/relationships" xmlns:p="http://schemas.openxmlformats.org/presentationml/2006/main">
   <p:cSld>
     <p:spTree>
@@ -21234,13 +21882,13 @@
   <p:clrMapOvr>
     <a:masterClrMapping/>
   </p:clrMapOvr>
-  <mc:AlternateContent xmlns:mc="http://schemas.openxmlformats.org/markup-compatibility/2006">
-    <mc:Choice xmlns:p14="http://schemas.microsoft.com/office/powerpoint/2010/main" Requires="p14">
+  <mc:AlternateContent xmlns:mc="http://schemas.openxmlformats.org/markup-compatibility/2006" xmlns:p14="http://schemas.microsoft.com/office/powerpoint/2010/main">
+    <mc:Choice Requires="p14">
       <p:transition spd="slow" p14:dur="1200">
         <p14:prism dir="u"/>
       </p:transition>
     </mc:Choice>
-    <mc:Fallback>
+    <mc:Fallback xmlns="">
       <p:transition spd="slow">
         <p:fade/>
       </p:transition>
@@ -21256,7 +21904,7 @@
 </p:sld>
 </file>
 
-<file path=ppt/slides/slide13.xml><?xml version="1.0" encoding="utf-8"?>
+<file path=ppt/slides/slide15.xml><?xml version="1.0" encoding="utf-8"?>
 <p:sld xmlns:a="http://schemas.openxmlformats.org/drawingml/2006/main" xmlns:r="http://schemas.openxmlformats.org/officeDocument/2006/relationships" xmlns:p="http://schemas.openxmlformats.org/presentationml/2006/main">
   <p:cSld>
     <p:spTree>
@@ -21308,7 +21956,7 @@
           <p:nvPr>
             <p:extLst>
               <p:ext uri="{D42A27DB-BD31-4B8C-83A1-F6EECF244321}">
-                <p14:modId xmlns:p14="http://schemas.microsoft.com/office/powerpoint/2010/main" val="1988770175"/>
+                <p14:modId xmlns:p14="http://schemas.microsoft.com/office/powerpoint/2010/main" val="41149423"/>
               </p:ext>
             </p:extLst>
           </p:nvPr>
@@ -21333,13 +21981,13 @@
   <p:clrMapOvr>
     <a:masterClrMapping/>
   </p:clrMapOvr>
-  <mc:AlternateContent xmlns:mc="http://schemas.openxmlformats.org/markup-compatibility/2006">
-    <mc:Choice xmlns:p14="http://schemas.microsoft.com/office/powerpoint/2010/main" Requires="p14">
+  <mc:AlternateContent xmlns:mc="http://schemas.openxmlformats.org/markup-compatibility/2006" xmlns:p14="http://schemas.microsoft.com/office/powerpoint/2010/main">
+    <mc:Choice Requires="p14">
       <p:transition spd="slow" p14:dur="1200">
         <p14:flip dir="r"/>
       </p:transition>
     </mc:Choice>
-    <mc:Fallback>
+    <mc:Fallback xmlns="">
       <p:transition spd="slow">
         <p:fade/>
       </p:transition>
@@ -21600,7 +22248,7 @@
 </p:sld>
 </file>
 
-<file path=ppt/slides/slide14.xml><?xml version="1.0" encoding="utf-8"?>
+<file path=ppt/slides/slide16.xml><?xml version="1.0" encoding="utf-8"?>
 <p:sld xmlns:a="http://schemas.openxmlformats.org/drawingml/2006/main" xmlns:r="http://schemas.openxmlformats.org/officeDocument/2006/relationships" xmlns:p="http://schemas.openxmlformats.org/presentationml/2006/main">
   <p:cSld>
     <p:spTree>
@@ -21817,13 +22465,13 @@
   <p:clrMapOvr>
     <a:masterClrMapping/>
   </p:clrMapOvr>
-  <mc:AlternateContent xmlns:mc="http://schemas.openxmlformats.org/markup-compatibility/2006">
-    <mc:Choice xmlns:p14="http://schemas.microsoft.com/office/powerpoint/2010/main" Requires="p14">
+  <mc:AlternateContent xmlns:mc="http://schemas.openxmlformats.org/markup-compatibility/2006" xmlns:p14="http://schemas.microsoft.com/office/powerpoint/2010/main">
+    <mc:Choice Requires="p14">
       <p:transition spd="slow" p14:dur="1600">
         <p14:gallery dir="l"/>
       </p:transition>
     </mc:Choice>
-    <mc:Fallback>
+    <mc:Fallback xmlns="">
       <p:transition spd="slow">
         <p:fade/>
       </p:transition>
@@ -21839,7 +22487,7 @@
 </p:sld>
 </file>
 
-<file path=ppt/slides/slide15.xml><?xml version="1.0" encoding="utf-8"?>
+<file path=ppt/slides/slide17.xml><?xml version="1.0" encoding="utf-8"?>
 <p:sld xmlns:a="http://schemas.openxmlformats.org/drawingml/2006/main" xmlns:r="http://schemas.openxmlformats.org/officeDocument/2006/relationships" xmlns:p="http://schemas.openxmlformats.org/presentationml/2006/main">
   <p:cSld>
     <p:spTree>
@@ -21936,15 +22584,6 @@
                 <a:tailEnd/>
               </a14:hiddenLine>
             </a:ext>
-            <a:ext uri="{AF507438-7753-43E0-B8FC-AC1667EBCBE1}">
-              <a14:hiddenEffects xmlns:a14="http://schemas.microsoft.com/office/drawing/2010/main">
-                <a:effectLst>
-                  <a:outerShdw dist="35921" dir="2700000" algn="ctr" rotWithShape="0">
-                    <a:schemeClr val="bg2"/>
-                  </a:outerShdw>
-                </a:effectLst>
-              </a14:hiddenEffects>
-            </a:ext>
           </a:extLst>
         </p:spPr>
       </p:pic>
@@ -24285,13 +24924,13 @@
   <p:clrMapOvr>
     <a:masterClrMapping/>
   </p:clrMapOvr>
-  <mc:AlternateContent xmlns:mc="http://schemas.openxmlformats.org/markup-compatibility/2006">
-    <mc:Choice xmlns:p14="http://schemas.microsoft.com/office/powerpoint/2010/main" Requires="p14">
+  <mc:AlternateContent xmlns:mc="http://schemas.openxmlformats.org/markup-compatibility/2006" xmlns:p14="http://schemas.microsoft.com/office/powerpoint/2010/main">
+    <mc:Choice Requires="p14">
       <p:transition spd="slow" p14:dur="1200">
         <p14:prism/>
       </p:transition>
     </mc:Choice>
-    <mc:Fallback>
+    <mc:Fallback xmlns="">
       <p:transition spd="slow">
         <p:fade/>
       </p:transition>
@@ -24890,6 +25529,167 @@
             <p:ph type="title"/>
           </p:nvPr>
         </p:nvSpPr>
+        <p:spPr>
+          <a:xfrm>
+            <a:off x="457200" y="533400"/>
+            <a:ext cx="8229600" cy="5715000"/>
+          </a:xfrm>
+        </p:spPr>
+        <p:txBody>
+          <a:bodyPr>
+            <a:normAutofit/>
+          </a:bodyPr>
+          <a:lstStyle/>
+          <a:p>
+            <a:r>
+              <a:rPr lang="en-US" b="1" dirty="0" err="1"/>
+              <a:t>Sistem</a:t>
+            </a:r>
+            <a:r>
+              <a:rPr lang="en-US" b="1" dirty="0"/>
+              <a:t> </a:t>
+            </a:r>
+            <a:r>
+              <a:rPr lang="en-US" b="1" dirty="0" err="1"/>
+              <a:t>Pengelolaan</a:t>
+            </a:r>
+            <a:r>
+              <a:rPr lang="en-US" b="1" dirty="0"/>
+              <a:t> </a:t>
+            </a:r>
+            <a:r>
+              <a:rPr lang="en-US" b="1" dirty="0" err="1"/>
+              <a:t>Parkir</a:t>
+            </a:r>
+            <a:r>
+              <a:rPr lang="en-US" b="1" dirty="0"/>
+              <a:t> </a:t>
+            </a:r>
+            <a:r>
+              <a:rPr lang="en-US" b="1" dirty="0" err="1"/>
+              <a:t>Otomatis</a:t>
+            </a:r>
+            <a:r>
+              <a:rPr lang="en-US" b="1" dirty="0"/>
+              <a:t>  </a:t>
+            </a:r>
+            <a:r>
+              <a:rPr lang="en-US" b="1" dirty="0" err="1"/>
+              <a:t>Menggunakan</a:t>
+            </a:r>
+            <a:r>
+              <a:rPr lang="en-US" b="1" dirty="0"/>
+              <a:t> </a:t>
+            </a:r>
+            <a:r>
+              <a:rPr lang="en-US" b="1" dirty="0" err="1"/>
+              <a:t>Metode</a:t>
+            </a:r>
+            <a:r>
+              <a:rPr lang="en-US" b="1" dirty="0"/>
+              <a:t> Unified </a:t>
+            </a:r>
+            <a:r>
+              <a:rPr lang="en-US" b="1" dirty="0" err="1"/>
+              <a:t>Modelling</a:t>
+            </a:r>
+            <a:r>
+              <a:rPr lang="en-US" b="1" dirty="0"/>
+              <a:t> Language (UML)</a:t>
+            </a:r>
+            <a:endParaRPr lang="en-US" dirty="0"/>
+          </a:p>
+        </p:txBody>
+      </p:sp>
+      <p:cxnSp>
+        <p:nvCxnSpPr>
+          <p:cNvPr id="5" name="Straight Connector 4"/>
+          <p:cNvCxnSpPr/>
+          <p:nvPr/>
+        </p:nvCxnSpPr>
+        <p:spPr>
+          <a:xfrm>
+            <a:off x="533400" y="4419600"/>
+            <a:ext cx="7924800" cy="0"/>
+          </a:xfrm>
+          <a:prstGeom prst="line">
+            <a:avLst/>
+          </a:prstGeom>
+        </p:spPr>
+        <p:style>
+          <a:lnRef idx="3">
+            <a:schemeClr val="accent5"/>
+          </a:lnRef>
+          <a:fillRef idx="0">
+            <a:schemeClr val="accent5"/>
+          </a:fillRef>
+          <a:effectRef idx="2">
+            <a:schemeClr val="accent5"/>
+          </a:effectRef>
+          <a:fontRef idx="minor">
+            <a:schemeClr val="tx1"/>
+          </a:fontRef>
+        </p:style>
+      </p:cxnSp>
+    </p:spTree>
+    <p:extLst>
+      <p:ext uri="{BB962C8B-B14F-4D97-AF65-F5344CB8AC3E}">
+        <p14:creationId xmlns:p14="http://schemas.microsoft.com/office/powerpoint/2010/main" val="2608759143"/>
+      </p:ext>
+    </p:extLst>
+  </p:cSld>
+  <p:clrMapOvr>
+    <a:masterClrMapping/>
+  </p:clrMapOvr>
+  <mc:AlternateContent xmlns:mc="http://schemas.openxmlformats.org/markup-compatibility/2006">
+    <mc:Choice xmlns:p14="http://schemas.microsoft.com/office/powerpoint/2010/main" Requires="p14">
+      <p:transition spd="slow" p14:dur="1400">
+        <p14:doors dir="vert"/>
+      </p:transition>
+    </mc:Choice>
+    <mc:Fallback>
+      <p:transition spd="slow">
+        <p:fade/>
+      </p:transition>
+    </mc:Fallback>
+  </mc:AlternateContent>
+  <p:timing>
+    <p:tnLst>
+      <p:par>
+        <p:cTn id="1" dur="indefinite" restart="never" nodeType="tmRoot"/>
+      </p:par>
+    </p:tnLst>
+  </p:timing>
+</p:sld>
+</file>
+
+<file path=ppt/slides/slide4.xml><?xml version="1.0" encoding="utf-8"?>
+<p:sld xmlns:a="http://schemas.openxmlformats.org/drawingml/2006/main" xmlns:r="http://schemas.openxmlformats.org/officeDocument/2006/relationships" xmlns:p="http://schemas.openxmlformats.org/presentationml/2006/main">
+  <p:cSld>
+    <p:spTree>
+      <p:nvGrpSpPr>
+        <p:cNvPr id="1" name=""/>
+        <p:cNvGrpSpPr/>
+        <p:nvPr/>
+      </p:nvGrpSpPr>
+      <p:grpSpPr>
+        <a:xfrm>
+          <a:off x="0" y="0"/>
+          <a:ext cx="0" cy="0"/>
+          <a:chOff x="0" y="0"/>
+          <a:chExt cx="0" cy="0"/>
+        </a:xfrm>
+      </p:grpSpPr>
+      <p:sp>
+        <p:nvSpPr>
+          <p:cNvPr id="2" name="Title 1"/>
+          <p:cNvSpPr>
+            <a:spLocks noGrp="1"/>
+          </p:cNvSpPr>
+          <p:nvPr>
+            <p:ph type="title"/>
+          </p:nvPr>
+        </p:nvSpPr>
         <p:spPr/>
         <p:txBody>
           <a:bodyPr/>
@@ -24946,13 +25746,13 @@
   <p:clrMapOvr>
     <a:masterClrMapping/>
   </p:clrMapOvr>
-  <mc:AlternateContent xmlns:mc="http://schemas.openxmlformats.org/markup-compatibility/2006">
-    <mc:Choice xmlns:p14="http://schemas.microsoft.com/office/powerpoint/2010/main" Requires="p14">
+  <mc:AlternateContent xmlns:mc="http://schemas.openxmlformats.org/markup-compatibility/2006" xmlns:p14="http://schemas.microsoft.com/office/powerpoint/2010/main">
+    <mc:Choice Requires="p14">
       <p:transition spd="slow" p14:dur="1200">
         <p14:flip dir="r"/>
       </p:transition>
     </mc:Choice>
-    <mc:Fallback>
+    <mc:Fallback xmlns="">
       <p:transition spd="slow">
         <p:fade/>
       </p:transition>
@@ -25049,7 +25849,7 @@
 </p:sld>
 </file>
 
-<file path=ppt/slides/slide4.xml><?xml version="1.0" encoding="utf-8"?>
+<file path=ppt/slides/slide5.xml><?xml version="1.0" encoding="utf-8"?>
 <p:sld xmlns:a="http://schemas.openxmlformats.org/drawingml/2006/main" xmlns:r="http://schemas.openxmlformats.org/officeDocument/2006/relationships" xmlns:p="http://schemas.openxmlformats.org/presentationml/2006/main">
   <p:cSld>
     <p:spTree>
@@ -25547,7 +26347,7 @@
 </p:sld>
 </file>
 
-<file path=ppt/slides/slide5.xml><?xml version="1.0" encoding="utf-8"?>
+<file path=ppt/slides/slide6.xml><?xml version="1.0" encoding="utf-8"?>
 <p:sld xmlns:a="http://schemas.openxmlformats.org/drawingml/2006/main" xmlns:r="http://schemas.openxmlformats.org/officeDocument/2006/relationships" xmlns:p="http://schemas.openxmlformats.org/presentationml/2006/main">
   <p:cSld>
     <p:spTree>
@@ -26405,13 +27205,13 @@
   <p:clrMapOvr>
     <a:masterClrMapping/>
   </p:clrMapOvr>
-  <mc:AlternateContent xmlns:mc="http://schemas.openxmlformats.org/markup-compatibility/2006">
-    <mc:Choice xmlns:p14="http://schemas.microsoft.com/office/powerpoint/2010/main" Requires="p14">
+  <mc:AlternateContent xmlns:mc="http://schemas.openxmlformats.org/markup-compatibility/2006" xmlns:p14="http://schemas.microsoft.com/office/powerpoint/2010/main">
+    <mc:Choice Requires="p14">
       <p:transition spd="slow" p14:dur="2000">
         <p14:prism isContent="1"/>
       </p:transition>
     </mc:Choice>
-    <mc:Fallback>
+    <mc:Fallback xmlns="">
       <p:transition spd="slow">
         <p:fade/>
       </p:transition>
@@ -26667,7 +27467,7 @@
 </p:sld>
 </file>
 
-<file path=ppt/slides/slide6.xml><?xml version="1.0" encoding="utf-8"?>
+<file path=ppt/slides/slide7.xml><?xml version="1.0" encoding="utf-8"?>
 <p:sld xmlns:a="http://schemas.openxmlformats.org/drawingml/2006/main" xmlns:r="http://schemas.openxmlformats.org/officeDocument/2006/relationships" xmlns:p="http://schemas.openxmlformats.org/presentationml/2006/main">
   <p:cSld>
     <p:spTree>
@@ -27265,7 +28065,7 @@
 </p:sld>
 </file>
 
-<file path=ppt/slides/slide7.xml><?xml version="1.0" encoding="utf-8"?>
+<file path=ppt/slides/slide8.xml><?xml version="1.0" encoding="utf-8"?>
 <p:sld xmlns:a="http://schemas.openxmlformats.org/drawingml/2006/main" xmlns:r="http://schemas.openxmlformats.org/officeDocument/2006/relationships" xmlns:p="http://schemas.openxmlformats.org/presentationml/2006/main">
   <p:cSld>
     <p:spTree>
@@ -27380,13 +28180,13 @@
   <p:clrMapOvr>
     <a:masterClrMapping/>
   </p:clrMapOvr>
-  <mc:AlternateContent xmlns:mc="http://schemas.openxmlformats.org/markup-compatibility/2006">
-    <mc:Choice xmlns:p14="http://schemas.microsoft.com/office/powerpoint/2010/main" Requires="p14">
+  <mc:AlternateContent xmlns:mc="http://schemas.openxmlformats.org/markup-compatibility/2006" xmlns:p14="http://schemas.microsoft.com/office/powerpoint/2010/main">
+    <mc:Choice Requires="p14">
       <p:transition spd="slow" p14:dur="1200">
         <p14:flip dir="r"/>
       </p:transition>
     </mc:Choice>
-    <mc:Fallback>
+    <mc:Fallback xmlns="">
       <p:transition spd="slow">
         <p:fade/>
       </p:transition>
@@ -27402,7 +28202,7 @@
 </p:sld>
 </file>
 
-<file path=ppt/slides/slide8.xml><?xml version="1.0" encoding="utf-8"?>
+<file path=ppt/slides/slide9.xml><?xml version="1.0" encoding="utf-8"?>
 <p:sld xmlns:a="http://schemas.openxmlformats.org/drawingml/2006/main" xmlns:r="http://schemas.openxmlformats.org/officeDocument/2006/relationships" xmlns:p="http://schemas.openxmlformats.org/presentationml/2006/main">
   <p:cSld>
     <p:spTree>
@@ -27524,15 +28324,6 @@
                 <a:tailEnd/>
               </a14:hiddenLine>
             </a:ext>
-            <a:ext uri="{AF507438-7753-43E0-B8FC-AC1667EBCBE1}">
-              <a14:hiddenEffects xmlns:a14="http://schemas.microsoft.com/office/drawing/2010/main">
-                <a:effectLst>
-                  <a:outerShdw dist="35921" dir="2700000" algn="ctr" rotWithShape="0">
-                    <a:schemeClr val="bg2"/>
-                  </a:outerShdw>
-                </a:effectLst>
-              </a14:hiddenEffects>
-            </a:ext>
           </a:extLst>
         </p:spPr>
       </p:pic>
@@ -27549,139 +28340,6 @@
   <p:transition spd="slow">
     <p:push dir="u"/>
   </p:transition>
-  <p:timing>
-    <p:tnLst>
-      <p:par>
-        <p:cTn id="1" dur="indefinite" restart="never" nodeType="tmRoot"/>
-      </p:par>
-    </p:tnLst>
-  </p:timing>
-</p:sld>
-</file>
-
-<file path=ppt/slides/slide9.xml><?xml version="1.0" encoding="utf-8"?>
-<p:sld xmlns:a="http://schemas.openxmlformats.org/drawingml/2006/main" xmlns:r="http://schemas.openxmlformats.org/officeDocument/2006/relationships" xmlns:p="http://schemas.openxmlformats.org/presentationml/2006/main">
-  <p:cSld>
-    <p:spTree>
-      <p:nvGrpSpPr>
-        <p:cNvPr id="1" name=""/>
-        <p:cNvGrpSpPr/>
-        <p:nvPr/>
-      </p:nvGrpSpPr>
-      <p:grpSpPr>
-        <a:xfrm>
-          <a:off x="0" y="0"/>
-          <a:ext cx="0" cy="0"/>
-          <a:chOff x="0" y="0"/>
-          <a:chExt cx="0" cy="0"/>
-        </a:xfrm>
-      </p:grpSpPr>
-      <p:sp>
-        <p:nvSpPr>
-          <p:cNvPr id="2" name="Title 1"/>
-          <p:cNvSpPr>
-            <a:spLocks noGrp="1"/>
-          </p:cNvSpPr>
-          <p:nvPr>
-            <p:ph type="title"/>
-          </p:nvPr>
-        </p:nvSpPr>
-        <p:spPr/>
-        <p:txBody>
-          <a:bodyPr>
-            <a:normAutofit fontScale="90000"/>
-          </a:bodyPr>
-          <a:lstStyle/>
-          <a:p>
-            <a:r>
-              <a:rPr lang="en-US" dirty="0" smtClean="0"/>
-              <a:t>Sequence Diagram</a:t>
-            </a:r>
-            <a:br>
-              <a:rPr lang="en-US" dirty="0" smtClean="0"/>
-            </a:br>
-            <a:r>
-              <a:rPr lang="en-US" sz="2000" dirty="0" err="1" smtClean="0"/>
-              <a:t>Sistem</a:t>
-            </a:r>
-            <a:r>
-              <a:rPr lang="en-US" sz="2000" dirty="0" smtClean="0"/>
-              <a:t> </a:t>
-            </a:r>
-            <a:r>
-              <a:rPr lang="en-US" sz="2000" dirty="0" err="1" smtClean="0"/>
-              <a:t>Masuk</a:t>
-            </a:r>
-            <a:r>
-              <a:rPr lang="en-US" sz="2000" dirty="0" smtClean="0"/>
-              <a:t> </a:t>
-            </a:r>
-            <a:r>
-              <a:rPr lang="en-US" sz="2000" dirty="0" err="1" smtClean="0"/>
-              <a:t>Parkir</a:t>
-            </a:r>
-            <a:endParaRPr lang="en-US" dirty="0"/>
-          </a:p>
-        </p:txBody>
-      </p:sp>
-      <p:pic>
-        <p:nvPicPr>
-          <p:cNvPr id="4" name="Content Placeholder 3"/>
-          <p:cNvPicPr>
-            <a:picLocks noGrp="1"/>
-          </p:cNvPicPr>
-          <p:nvPr>
-            <p:ph idx="1"/>
-          </p:nvPr>
-        </p:nvPicPr>
-        <p:blipFill>
-          <a:blip r:embed="rId2"/>
-          <a:stretch>
-            <a:fillRect/>
-          </a:stretch>
-        </p:blipFill>
-        <p:spPr>
-          <a:xfrm>
-            <a:off x="361950" y="1752600"/>
-            <a:ext cx="8401050" cy="3705225"/>
-          </a:xfrm>
-          <a:prstGeom prst="rect">
-            <a:avLst/>
-          </a:prstGeom>
-          <a:ln>
-            <a:noFill/>
-          </a:ln>
-          <a:effectLst>
-            <a:outerShdw blurRad="190500" algn="tl" rotWithShape="0">
-              <a:srgbClr val="000000">
-                <a:alpha val="70000"/>
-              </a:srgbClr>
-            </a:outerShdw>
-          </a:effectLst>
-        </p:spPr>
-      </p:pic>
-    </p:spTree>
-    <p:extLst>
-      <p:ext uri="{BB962C8B-B14F-4D97-AF65-F5344CB8AC3E}">
-        <p14:creationId xmlns:p14="http://schemas.microsoft.com/office/powerpoint/2010/main" val="1814160008"/>
-      </p:ext>
-    </p:extLst>
-  </p:cSld>
-  <p:clrMapOvr>
-    <a:masterClrMapping/>
-  </p:clrMapOvr>
-  <mc:AlternateContent xmlns:mc="http://schemas.openxmlformats.org/markup-compatibility/2006">
-    <mc:Choice xmlns:p14="http://schemas.microsoft.com/office/powerpoint/2010/main" Requires="p14">
-      <p:transition spd="slow" p14:dur="1600">
-        <p14:conveyor dir="l"/>
-      </p:transition>
-    </mc:Choice>
-    <mc:Fallback>
-      <p:transition spd="slow">
-        <p:fade/>
-      </p:transition>
-    </mc:Fallback>
-  </mc:AlternateContent>
   <p:timing>
     <p:tnLst>
       <p:par>
